--- a/assignment_2/assignment_2.pptx
+++ b/assignment_2/assignment_2.pptx
@@ -6,6 +6,7 @@
   </p:sldMasterIdLst>
   <p:sldIdLst>
     <p:sldId id="256" r:id="rId2"/>
+    <p:sldId id="257" r:id="rId3"/>
   </p:sldIdLst>
   <p:sldSz cx="12192000" cy="6858000"/>
   <p:notesSz cx="6858000" cy="9144000"/>
@@ -3533,6 +3534,1248 @@
 </p:sld>
 </file>
 
+<file path=ppt/slides/slide2.xml><?xml version="1.0" encoding="utf-8"?>
+<p:sld xmlns:a="http://schemas.openxmlformats.org/drawingml/2006/main" xmlns:r="http://schemas.openxmlformats.org/officeDocument/2006/relationships" xmlns:p="http://schemas.openxmlformats.org/presentationml/2006/main">
+  <p:cSld>
+    <p:spTree>
+      <p:nvGrpSpPr>
+        <p:cNvPr id="1" name=""/>
+        <p:cNvGrpSpPr/>
+        <p:nvPr/>
+      </p:nvGrpSpPr>
+      <p:grpSpPr>
+        <a:xfrm>
+          <a:off x="0" y="0"/>
+          <a:ext cx="0" cy="0"/>
+          <a:chOff x="0" y="0"/>
+          <a:chExt cx="0" cy="0"/>
+        </a:xfrm>
+      </p:grpSpPr>
+      <p:cxnSp>
+        <p:nvCxnSpPr>
+          <p:cNvPr id="9" name="Straight Arrow Connector 8"/>
+          <p:cNvCxnSpPr/>
+          <p:nvPr/>
+        </p:nvCxnSpPr>
+        <p:spPr>
+          <a:xfrm>
+            <a:off x="972589" y="1213658"/>
+            <a:ext cx="9000000" cy="24938"/>
+          </a:xfrm>
+          <a:prstGeom prst="straightConnector1">
+            <a:avLst/>
+          </a:prstGeom>
+          <a:ln>
+            <a:tailEnd type="triangle"/>
+          </a:ln>
+        </p:spPr>
+        <p:style>
+          <a:lnRef idx="1">
+            <a:schemeClr val="dk1"/>
+          </a:lnRef>
+          <a:fillRef idx="0">
+            <a:schemeClr val="dk1"/>
+          </a:fillRef>
+          <a:effectRef idx="0">
+            <a:schemeClr val="dk1"/>
+          </a:effectRef>
+          <a:fontRef idx="minor">
+            <a:schemeClr val="tx1"/>
+          </a:fontRef>
+        </p:style>
+      </p:cxnSp>
+      <p:cxnSp>
+        <p:nvCxnSpPr>
+          <p:cNvPr id="10" name="Straight Arrow Connector 9"/>
+          <p:cNvCxnSpPr/>
+          <p:nvPr/>
+        </p:nvCxnSpPr>
+        <p:spPr>
+          <a:xfrm>
+            <a:off x="972589" y="4134196"/>
+            <a:ext cx="5711495" cy="37007"/>
+          </a:xfrm>
+          <a:prstGeom prst="straightConnector1">
+            <a:avLst/>
+          </a:prstGeom>
+          <a:ln>
+            <a:tailEnd type="triangle"/>
+          </a:ln>
+        </p:spPr>
+        <p:style>
+          <a:lnRef idx="1">
+            <a:schemeClr val="dk1"/>
+          </a:lnRef>
+          <a:fillRef idx="0">
+            <a:schemeClr val="dk1"/>
+          </a:fillRef>
+          <a:effectRef idx="0">
+            <a:schemeClr val="dk1"/>
+          </a:effectRef>
+          <a:fontRef idx="minor">
+            <a:schemeClr val="tx1"/>
+          </a:fontRef>
+        </p:style>
+      </p:cxnSp>
+      <p:cxnSp>
+        <p:nvCxnSpPr>
+          <p:cNvPr id="12" name="Straight Arrow Connector 11"/>
+          <p:cNvCxnSpPr/>
+          <p:nvPr/>
+        </p:nvCxnSpPr>
+        <p:spPr>
+          <a:xfrm>
+            <a:off x="972589" y="1197032"/>
+            <a:ext cx="0" cy="1800000"/>
+          </a:xfrm>
+          <a:prstGeom prst="straightConnector1">
+            <a:avLst/>
+          </a:prstGeom>
+          <a:ln>
+            <a:tailEnd type="triangle"/>
+          </a:ln>
+        </p:spPr>
+        <p:style>
+          <a:lnRef idx="1">
+            <a:schemeClr val="dk1"/>
+          </a:lnRef>
+          <a:fillRef idx="0">
+            <a:schemeClr val="dk1"/>
+          </a:fillRef>
+          <a:effectRef idx="0">
+            <a:schemeClr val="dk1"/>
+          </a:effectRef>
+          <a:fontRef idx="minor">
+            <a:schemeClr val="tx1"/>
+          </a:fontRef>
+        </p:style>
+      </p:cxnSp>
+      <p:cxnSp>
+        <p:nvCxnSpPr>
+          <p:cNvPr id="15" name="Straight Arrow Connector 14"/>
+          <p:cNvCxnSpPr/>
+          <p:nvPr/>
+        </p:nvCxnSpPr>
+        <p:spPr>
+          <a:xfrm>
+            <a:off x="9628909" y="1238596"/>
+            <a:ext cx="0" cy="720000"/>
+          </a:xfrm>
+          <a:prstGeom prst="straightConnector1">
+            <a:avLst/>
+          </a:prstGeom>
+          <a:ln>
+            <a:tailEnd type="triangle"/>
+          </a:ln>
+        </p:spPr>
+        <p:style>
+          <a:lnRef idx="1">
+            <a:schemeClr val="dk1"/>
+          </a:lnRef>
+          <a:fillRef idx="0">
+            <a:schemeClr val="dk1"/>
+          </a:fillRef>
+          <a:effectRef idx="0">
+            <a:schemeClr val="dk1"/>
+          </a:effectRef>
+          <a:fontRef idx="minor">
+            <a:schemeClr val="tx1"/>
+          </a:fontRef>
+        </p:style>
+      </p:cxnSp>
+      <p:sp>
+        <p:nvSpPr>
+          <p:cNvPr id="16" name="TextBox 15"/>
+          <p:cNvSpPr txBox="1"/>
+          <p:nvPr/>
+        </p:nvSpPr>
+        <p:spPr>
+          <a:xfrm>
+            <a:off x="972588" y="1197032"/>
+            <a:ext cx="301686" cy="369332"/>
+          </a:xfrm>
+          <a:prstGeom prst="rect">
+            <a:avLst/>
+          </a:prstGeom>
+          <a:noFill/>
+        </p:spPr>
+        <p:txBody>
+          <a:bodyPr wrap="none" rtlCol="0">
+            <a:spAutoFit/>
+          </a:bodyPr>
+          <a:lstStyle/>
+          <a:p>
+            <a:r>
+              <a:rPr lang="en-CA" dirty="0" smtClean="0"/>
+              <a:t>0</a:t>
+            </a:r>
+            <a:endParaRPr lang="en-CA" dirty="0"/>
+          </a:p>
+        </p:txBody>
+      </p:sp>
+      <p:sp>
+        <p:nvSpPr>
+          <p:cNvPr id="17" name="TextBox 16"/>
+          <p:cNvSpPr txBox="1"/>
+          <p:nvPr/>
+        </p:nvSpPr>
+        <p:spPr>
+          <a:xfrm>
+            <a:off x="5302305" y="1238596"/>
+            <a:ext cx="301686" cy="369332"/>
+          </a:xfrm>
+          <a:prstGeom prst="rect">
+            <a:avLst/>
+          </a:prstGeom>
+          <a:noFill/>
+        </p:spPr>
+        <p:txBody>
+          <a:bodyPr wrap="none" rtlCol="0">
+            <a:spAutoFit/>
+          </a:bodyPr>
+          <a:lstStyle/>
+          <a:p>
+            <a:r>
+              <a:rPr lang="en-CA" dirty="0" smtClean="0"/>
+              <a:t>4</a:t>
+            </a:r>
+            <a:endParaRPr lang="en-CA" dirty="0"/>
+          </a:p>
+        </p:txBody>
+      </p:sp>
+      <p:sp>
+        <p:nvSpPr>
+          <p:cNvPr id="18" name="TextBox 17"/>
+          <p:cNvSpPr txBox="1"/>
+          <p:nvPr/>
+        </p:nvSpPr>
+        <p:spPr>
+          <a:xfrm>
+            <a:off x="2052683" y="1217230"/>
+            <a:ext cx="301686" cy="369332"/>
+          </a:xfrm>
+          <a:prstGeom prst="rect">
+            <a:avLst/>
+          </a:prstGeom>
+          <a:noFill/>
+        </p:spPr>
+        <p:txBody>
+          <a:bodyPr wrap="none" rtlCol="0">
+            <a:spAutoFit/>
+          </a:bodyPr>
+          <a:lstStyle/>
+          <a:p>
+            <a:r>
+              <a:rPr lang="en-CA" dirty="0" smtClean="0"/>
+              <a:t>1</a:t>
+            </a:r>
+            <a:endParaRPr lang="en-CA" dirty="0"/>
+          </a:p>
+        </p:txBody>
+      </p:sp>
+      <p:sp>
+        <p:nvSpPr>
+          <p:cNvPr id="19" name="TextBox 18"/>
+          <p:cNvSpPr txBox="1"/>
+          <p:nvPr/>
+        </p:nvSpPr>
+        <p:spPr>
+          <a:xfrm>
+            <a:off x="3135890" y="1229482"/>
+            <a:ext cx="301686" cy="369332"/>
+          </a:xfrm>
+          <a:prstGeom prst="rect">
+            <a:avLst/>
+          </a:prstGeom>
+          <a:noFill/>
+        </p:spPr>
+        <p:txBody>
+          <a:bodyPr wrap="none" rtlCol="0">
+            <a:spAutoFit/>
+          </a:bodyPr>
+          <a:lstStyle/>
+          <a:p>
+            <a:r>
+              <a:rPr lang="en-CA" dirty="0" smtClean="0"/>
+              <a:t>2</a:t>
+            </a:r>
+            <a:endParaRPr lang="en-CA" dirty="0"/>
+          </a:p>
+        </p:txBody>
+      </p:sp>
+      <p:sp>
+        <p:nvSpPr>
+          <p:cNvPr id="20" name="TextBox 19"/>
+          <p:cNvSpPr txBox="1"/>
+          <p:nvPr/>
+        </p:nvSpPr>
+        <p:spPr>
+          <a:xfrm>
+            <a:off x="4215983" y="1226127"/>
+            <a:ext cx="301686" cy="369332"/>
+          </a:xfrm>
+          <a:prstGeom prst="rect">
+            <a:avLst/>
+          </a:prstGeom>
+          <a:noFill/>
+        </p:spPr>
+        <p:txBody>
+          <a:bodyPr wrap="none" rtlCol="0">
+            <a:spAutoFit/>
+          </a:bodyPr>
+          <a:lstStyle/>
+          <a:p>
+            <a:r>
+              <a:rPr lang="en-CA" dirty="0" smtClean="0"/>
+              <a:t>3</a:t>
+            </a:r>
+            <a:endParaRPr lang="en-CA" dirty="0"/>
+          </a:p>
+        </p:txBody>
+      </p:sp>
+      <p:sp>
+        <p:nvSpPr>
+          <p:cNvPr id="21" name="TextBox 20"/>
+          <p:cNvSpPr txBox="1"/>
+          <p:nvPr/>
+        </p:nvSpPr>
+        <p:spPr>
+          <a:xfrm>
+            <a:off x="6382398" y="1234039"/>
+            <a:ext cx="301686" cy="369332"/>
+          </a:xfrm>
+          <a:prstGeom prst="rect">
+            <a:avLst/>
+          </a:prstGeom>
+          <a:noFill/>
+        </p:spPr>
+        <p:txBody>
+          <a:bodyPr wrap="none" rtlCol="0">
+            <a:spAutoFit/>
+          </a:bodyPr>
+          <a:lstStyle/>
+          <a:p>
+            <a:r>
+              <a:rPr lang="en-CA" dirty="0" smtClean="0"/>
+              <a:t>5</a:t>
+            </a:r>
+            <a:endParaRPr lang="en-CA" dirty="0"/>
+          </a:p>
+        </p:txBody>
+      </p:sp>
+      <p:sp>
+        <p:nvSpPr>
+          <p:cNvPr id="22" name="TextBox 21"/>
+          <p:cNvSpPr txBox="1"/>
+          <p:nvPr/>
+        </p:nvSpPr>
+        <p:spPr>
+          <a:xfrm>
+            <a:off x="7465605" y="1238595"/>
+            <a:ext cx="301686" cy="369332"/>
+          </a:xfrm>
+          <a:prstGeom prst="rect">
+            <a:avLst/>
+          </a:prstGeom>
+          <a:noFill/>
+        </p:spPr>
+        <p:txBody>
+          <a:bodyPr wrap="none" rtlCol="0">
+            <a:spAutoFit/>
+          </a:bodyPr>
+          <a:lstStyle/>
+          <a:p>
+            <a:r>
+              <a:rPr lang="en-CA" dirty="0" smtClean="0"/>
+              <a:t>6</a:t>
+            </a:r>
+            <a:endParaRPr lang="en-CA" dirty="0"/>
+          </a:p>
+        </p:txBody>
+      </p:sp>
+      <p:sp>
+        <p:nvSpPr>
+          <p:cNvPr id="23" name="TextBox 22"/>
+          <p:cNvSpPr txBox="1"/>
+          <p:nvPr/>
+        </p:nvSpPr>
+        <p:spPr>
+          <a:xfrm>
+            <a:off x="8509937" y="1241072"/>
+            <a:ext cx="301686" cy="369332"/>
+          </a:xfrm>
+          <a:prstGeom prst="rect">
+            <a:avLst/>
+          </a:prstGeom>
+          <a:noFill/>
+        </p:spPr>
+        <p:txBody>
+          <a:bodyPr wrap="none" rtlCol="0">
+            <a:spAutoFit/>
+          </a:bodyPr>
+          <a:lstStyle/>
+          <a:p>
+            <a:r>
+              <a:rPr lang="en-CA" dirty="0" smtClean="0"/>
+              <a:t>7</a:t>
+            </a:r>
+            <a:endParaRPr lang="en-CA" dirty="0"/>
+          </a:p>
+        </p:txBody>
+      </p:sp>
+      <p:sp>
+        <p:nvSpPr>
+          <p:cNvPr id="24" name="TextBox 23"/>
+          <p:cNvSpPr txBox="1"/>
+          <p:nvPr/>
+        </p:nvSpPr>
+        <p:spPr>
+          <a:xfrm>
+            <a:off x="9596259" y="1197032"/>
+            <a:ext cx="301686" cy="369332"/>
+          </a:xfrm>
+          <a:prstGeom prst="rect">
+            <a:avLst/>
+          </a:prstGeom>
+          <a:noFill/>
+        </p:spPr>
+        <p:txBody>
+          <a:bodyPr wrap="none" rtlCol="0">
+            <a:spAutoFit/>
+          </a:bodyPr>
+          <a:lstStyle/>
+          <a:p>
+            <a:r>
+              <a:rPr lang="en-CA" dirty="0" smtClean="0"/>
+              <a:t>8</a:t>
+            </a:r>
+            <a:endParaRPr lang="en-CA" dirty="0"/>
+          </a:p>
+        </p:txBody>
+      </p:sp>
+      <p:cxnSp>
+        <p:nvCxnSpPr>
+          <p:cNvPr id="25" name="Straight Arrow Connector 24"/>
+          <p:cNvCxnSpPr/>
+          <p:nvPr/>
+        </p:nvCxnSpPr>
+        <p:spPr>
+          <a:xfrm>
+            <a:off x="5302305" y="1213658"/>
+            <a:ext cx="0" cy="720000"/>
+          </a:xfrm>
+          <a:prstGeom prst="straightConnector1">
+            <a:avLst/>
+          </a:prstGeom>
+          <a:ln>
+            <a:tailEnd type="triangle"/>
+          </a:ln>
+        </p:spPr>
+        <p:style>
+          <a:lnRef idx="1">
+            <a:schemeClr val="dk1"/>
+          </a:lnRef>
+          <a:fillRef idx="0">
+            <a:schemeClr val="dk1"/>
+          </a:fillRef>
+          <a:effectRef idx="0">
+            <a:schemeClr val="dk1"/>
+          </a:effectRef>
+          <a:fontRef idx="minor">
+            <a:schemeClr val="tx1"/>
+          </a:fontRef>
+        </p:style>
+      </p:cxnSp>
+      <p:cxnSp>
+        <p:nvCxnSpPr>
+          <p:cNvPr id="26" name="Straight Arrow Connector 25"/>
+          <p:cNvCxnSpPr/>
+          <p:nvPr/>
+        </p:nvCxnSpPr>
+        <p:spPr>
+          <a:xfrm>
+            <a:off x="6382398" y="1223756"/>
+            <a:ext cx="0" cy="720000"/>
+          </a:xfrm>
+          <a:prstGeom prst="straightConnector1">
+            <a:avLst/>
+          </a:prstGeom>
+          <a:ln>
+            <a:tailEnd type="triangle"/>
+          </a:ln>
+        </p:spPr>
+        <p:style>
+          <a:lnRef idx="1">
+            <a:schemeClr val="dk1"/>
+          </a:lnRef>
+          <a:fillRef idx="0">
+            <a:schemeClr val="dk1"/>
+          </a:fillRef>
+          <a:effectRef idx="0">
+            <a:schemeClr val="dk1"/>
+          </a:effectRef>
+          <a:fontRef idx="minor">
+            <a:schemeClr val="tx1"/>
+          </a:fontRef>
+        </p:style>
+      </p:cxnSp>
+      <p:cxnSp>
+        <p:nvCxnSpPr>
+          <p:cNvPr id="27" name="Straight Arrow Connector 26"/>
+          <p:cNvCxnSpPr/>
+          <p:nvPr/>
+        </p:nvCxnSpPr>
+        <p:spPr>
+          <a:xfrm>
+            <a:off x="7465605" y="1250404"/>
+            <a:ext cx="0" cy="720000"/>
+          </a:xfrm>
+          <a:prstGeom prst="straightConnector1">
+            <a:avLst/>
+          </a:prstGeom>
+          <a:ln>
+            <a:tailEnd type="triangle"/>
+          </a:ln>
+        </p:spPr>
+        <p:style>
+          <a:lnRef idx="1">
+            <a:schemeClr val="dk1"/>
+          </a:lnRef>
+          <a:fillRef idx="0">
+            <a:schemeClr val="dk1"/>
+          </a:fillRef>
+          <a:effectRef idx="0">
+            <a:schemeClr val="dk1"/>
+          </a:effectRef>
+          <a:fontRef idx="minor">
+            <a:schemeClr val="tx1"/>
+          </a:fontRef>
+        </p:style>
+      </p:cxnSp>
+      <p:cxnSp>
+        <p:nvCxnSpPr>
+          <p:cNvPr id="28" name="Straight Arrow Connector 27"/>
+          <p:cNvCxnSpPr/>
+          <p:nvPr/>
+        </p:nvCxnSpPr>
+        <p:spPr>
+          <a:xfrm>
+            <a:off x="8509937" y="1234039"/>
+            <a:ext cx="0" cy="720000"/>
+          </a:xfrm>
+          <a:prstGeom prst="straightConnector1">
+            <a:avLst/>
+          </a:prstGeom>
+          <a:ln>
+            <a:tailEnd type="triangle"/>
+          </a:ln>
+        </p:spPr>
+        <p:style>
+          <a:lnRef idx="1">
+            <a:schemeClr val="dk1"/>
+          </a:lnRef>
+          <a:fillRef idx="0">
+            <a:schemeClr val="dk1"/>
+          </a:fillRef>
+          <a:effectRef idx="0">
+            <a:schemeClr val="dk1"/>
+          </a:effectRef>
+          <a:fontRef idx="minor">
+            <a:schemeClr val="tx1"/>
+          </a:fontRef>
+        </p:style>
+      </p:cxnSp>
+      <p:cxnSp>
+        <p:nvCxnSpPr>
+          <p:cNvPr id="29" name="Straight Arrow Connector 28"/>
+          <p:cNvCxnSpPr/>
+          <p:nvPr/>
+        </p:nvCxnSpPr>
+        <p:spPr>
+          <a:xfrm>
+            <a:off x="2052683" y="1206364"/>
+            <a:ext cx="0" cy="540000"/>
+          </a:xfrm>
+          <a:prstGeom prst="straightConnector1">
+            <a:avLst/>
+          </a:prstGeom>
+          <a:ln>
+            <a:tailEnd type="triangle"/>
+          </a:ln>
+        </p:spPr>
+        <p:style>
+          <a:lnRef idx="1">
+            <a:schemeClr val="dk1"/>
+          </a:lnRef>
+          <a:fillRef idx="0">
+            <a:schemeClr val="dk1"/>
+          </a:fillRef>
+          <a:effectRef idx="0">
+            <a:schemeClr val="dk1"/>
+          </a:effectRef>
+          <a:fontRef idx="minor">
+            <a:schemeClr val="tx1"/>
+          </a:fontRef>
+        </p:style>
+      </p:cxnSp>
+      <p:cxnSp>
+        <p:nvCxnSpPr>
+          <p:cNvPr id="30" name="Straight Arrow Connector 29"/>
+          <p:cNvCxnSpPr/>
+          <p:nvPr/>
+        </p:nvCxnSpPr>
+        <p:spPr>
+          <a:xfrm>
+            <a:off x="3135890" y="1213658"/>
+            <a:ext cx="0" cy="540000"/>
+          </a:xfrm>
+          <a:prstGeom prst="straightConnector1">
+            <a:avLst/>
+          </a:prstGeom>
+          <a:ln>
+            <a:tailEnd type="triangle"/>
+          </a:ln>
+        </p:spPr>
+        <p:style>
+          <a:lnRef idx="1">
+            <a:schemeClr val="dk1"/>
+          </a:lnRef>
+          <a:fillRef idx="0">
+            <a:schemeClr val="dk1"/>
+          </a:fillRef>
+          <a:effectRef idx="0">
+            <a:schemeClr val="dk1"/>
+          </a:effectRef>
+          <a:fontRef idx="minor">
+            <a:schemeClr val="tx1"/>
+          </a:fontRef>
+        </p:style>
+      </p:cxnSp>
+      <p:cxnSp>
+        <p:nvCxnSpPr>
+          <p:cNvPr id="31" name="Straight Arrow Connector 30"/>
+          <p:cNvCxnSpPr/>
+          <p:nvPr/>
+        </p:nvCxnSpPr>
+        <p:spPr>
+          <a:xfrm>
+            <a:off x="4218193" y="1213658"/>
+            <a:ext cx="0" cy="540000"/>
+          </a:xfrm>
+          <a:prstGeom prst="straightConnector1">
+            <a:avLst/>
+          </a:prstGeom>
+          <a:ln>
+            <a:tailEnd type="triangle"/>
+          </a:ln>
+        </p:spPr>
+        <p:style>
+          <a:lnRef idx="1">
+            <a:schemeClr val="dk1"/>
+          </a:lnRef>
+          <a:fillRef idx="0">
+            <a:schemeClr val="dk1"/>
+          </a:fillRef>
+          <a:effectRef idx="0">
+            <a:schemeClr val="dk1"/>
+          </a:effectRef>
+          <a:fontRef idx="minor">
+            <a:schemeClr val="tx1"/>
+          </a:fontRef>
+        </p:style>
+      </p:cxnSp>
+      <p:sp>
+        <p:nvSpPr>
+          <p:cNvPr id="32" name="TextBox 31"/>
+          <p:cNvSpPr txBox="1"/>
+          <p:nvPr/>
+        </p:nvSpPr>
+        <p:spPr>
+          <a:xfrm>
+            <a:off x="9969377" y="1065738"/>
+            <a:ext cx="261610" cy="369332"/>
+          </a:xfrm>
+          <a:prstGeom prst="rect">
+            <a:avLst/>
+          </a:prstGeom>
+          <a:noFill/>
+        </p:spPr>
+        <p:txBody>
+          <a:bodyPr wrap="none" rtlCol="0">
+            <a:spAutoFit/>
+          </a:bodyPr>
+          <a:lstStyle/>
+          <a:p>
+            <a:r>
+              <a:rPr lang="en-CA" dirty="0" smtClean="0"/>
+              <a:t>t</a:t>
+            </a:r>
+            <a:endParaRPr lang="en-CA" dirty="0"/>
+          </a:p>
+        </p:txBody>
+      </p:sp>
+      <p:cxnSp>
+        <p:nvCxnSpPr>
+          <p:cNvPr id="33" name="Straight Connector 32"/>
+          <p:cNvCxnSpPr/>
+          <p:nvPr/>
+        </p:nvCxnSpPr>
+        <p:spPr>
+          <a:xfrm flipV="1">
+            <a:off x="2052683" y="1746364"/>
+            <a:ext cx="2163300" cy="7294"/>
+          </a:xfrm>
+          <a:prstGeom prst="line">
+            <a:avLst/>
+          </a:prstGeom>
+        </p:spPr>
+        <p:style>
+          <a:lnRef idx="1">
+            <a:schemeClr val="dk1"/>
+          </a:lnRef>
+          <a:fillRef idx="0">
+            <a:schemeClr val="dk1"/>
+          </a:fillRef>
+          <a:effectRef idx="0">
+            <a:schemeClr val="dk1"/>
+          </a:effectRef>
+          <a:fontRef idx="minor">
+            <a:schemeClr val="tx1"/>
+          </a:fontRef>
+        </p:style>
+      </p:cxnSp>
+      <p:cxnSp>
+        <p:nvCxnSpPr>
+          <p:cNvPr id="35" name="Straight Connector 34"/>
+          <p:cNvCxnSpPr/>
+          <p:nvPr/>
+        </p:nvCxnSpPr>
+        <p:spPr>
+          <a:xfrm>
+            <a:off x="5302305" y="1943757"/>
+            <a:ext cx="4326604" cy="26647"/>
+          </a:xfrm>
+          <a:prstGeom prst="line">
+            <a:avLst/>
+          </a:prstGeom>
+        </p:spPr>
+        <p:style>
+          <a:lnRef idx="1">
+            <a:schemeClr val="dk1"/>
+          </a:lnRef>
+          <a:fillRef idx="0">
+            <a:schemeClr val="dk1"/>
+          </a:fillRef>
+          <a:effectRef idx="0">
+            <a:schemeClr val="dk1"/>
+          </a:effectRef>
+          <a:fontRef idx="minor">
+            <a:schemeClr val="tx1"/>
+          </a:fontRef>
+        </p:style>
+      </p:cxnSp>
+      <p:sp>
+        <p:nvSpPr>
+          <p:cNvPr id="37" name="TextBox 36"/>
+          <p:cNvSpPr txBox="1"/>
+          <p:nvPr/>
+        </p:nvSpPr>
+        <p:spPr>
+          <a:xfrm>
+            <a:off x="500343" y="3011616"/>
+            <a:ext cx="944489" cy="369332"/>
+          </a:xfrm>
+          <a:prstGeom prst="rect">
+            <a:avLst/>
+          </a:prstGeom>
+          <a:noFill/>
+        </p:spPr>
+        <p:txBody>
+          <a:bodyPr wrap="none" rtlCol="0">
+            <a:spAutoFit/>
+          </a:bodyPr>
+          <a:lstStyle/>
+          <a:p>
+            <a:r>
+              <a:rPr lang="en-CA" dirty="0" smtClean="0"/>
+              <a:t>$10,000</a:t>
+            </a:r>
+            <a:endParaRPr lang="en-CA" dirty="0"/>
+          </a:p>
+        </p:txBody>
+      </p:sp>
+      <p:sp>
+        <p:nvSpPr>
+          <p:cNvPr id="38" name="TextBox 37"/>
+          <p:cNvSpPr txBox="1"/>
+          <p:nvPr/>
+        </p:nvSpPr>
+        <p:spPr>
+          <a:xfrm>
+            <a:off x="1581995" y="1757418"/>
+            <a:ext cx="827471" cy="369332"/>
+          </a:xfrm>
+          <a:prstGeom prst="rect">
+            <a:avLst/>
+          </a:prstGeom>
+          <a:noFill/>
+        </p:spPr>
+        <p:txBody>
+          <a:bodyPr wrap="none" rtlCol="0">
+            <a:spAutoFit/>
+          </a:bodyPr>
+          <a:lstStyle/>
+          <a:p>
+            <a:r>
+              <a:rPr lang="en-CA" dirty="0" smtClean="0"/>
+              <a:t>$2,200</a:t>
+            </a:r>
+            <a:endParaRPr lang="en-CA" dirty="0"/>
+          </a:p>
+        </p:txBody>
+      </p:sp>
+      <p:sp>
+        <p:nvSpPr>
+          <p:cNvPr id="39" name="TextBox 38"/>
+          <p:cNvSpPr txBox="1"/>
+          <p:nvPr/>
+        </p:nvSpPr>
+        <p:spPr>
+          <a:xfrm>
+            <a:off x="4882341" y="1933658"/>
+            <a:ext cx="827471" cy="369332"/>
+          </a:xfrm>
+          <a:prstGeom prst="rect">
+            <a:avLst/>
+          </a:prstGeom>
+          <a:noFill/>
+        </p:spPr>
+        <p:txBody>
+          <a:bodyPr wrap="none" rtlCol="0">
+            <a:spAutoFit/>
+          </a:bodyPr>
+          <a:lstStyle/>
+          <a:p>
+            <a:r>
+              <a:rPr lang="en-CA" dirty="0" smtClean="0"/>
+              <a:t>$2,400</a:t>
+            </a:r>
+            <a:endParaRPr lang="en-CA" dirty="0"/>
+          </a:p>
+        </p:txBody>
+      </p:sp>
+      <p:sp>
+        <p:nvSpPr>
+          <p:cNvPr id="40" name="TextBox 39"/>
+          <p:cNvSpPr txBox="1"/>
+          <p:nvPr/>
+        </p:nvSpPr>
+        <p:spPr>
+          <a:xfrm>
+            <a:off x="972588" y="4134196"/>
+            <a:ext cx="301686" cy="369332"/>
+          </a:xfrm>
+          <a:prstGeom prst="rect">
+            <a:avLst/>
+          </a:prstGeom>
+          <a:noFill/>
+        </p:spPr>
+        <p:txBody>
+          <a:bodyPr wrap="none" rtlCol="0">
+            <a:spAutoFit/>
+          </a:bodyPr>
+          <a:lstStyle/>
+          <a:p>
+            <a:r>
+              <a:rPr lang="en-CA" dirty="0" smtClean="0"/>
+              <a:t>0</a:t>
+            </a:r>
+            <a:endParaRPr lang="en-CA" dirty="0"/>
+          </a:p>
+        </p:txBody>
+      </p:sp>
+      <p:sp>
+        <p:nvSpPr>
+          <p:cNvPr id="41" name="TextBox 40"/>
+          <p:cNvSpPr txBox="1"/>
+          <p:nvPr/>
+        </p:nvSpPr>
+        <p:spPr>
+          <a:xfrm>
+            <a:off x="6384627" y="4171203"/>
+            <a:ext cx="301686" cy="369332"/>
+          </a:xfrm>
+          <a:prstGeom prst="rect">
+            <a:avLst/>
+          </a:prstGeom>
+          <a:noFill/>
+        </p:spPr>
+        <p:txBody>
+          <a:bodyPr wrap="none" rtlCol="0">
+            <a:spAutoFit/>
+          </a:bodyPr>
+          <a:lstStyle/>
+          <a:p>
+            <a:r>
+              <a:rPr lang="en-CA" dirty="0" smtClean="0"/>
+              <a:t>5</a:t>
+            </a:r>
+            <a:endParaRPr lang="en-CA" dirty="0"/>
+          </a:p>
+        </p:txBody>
+      </p:sp>
+      <p:sp>
+        <p:nvSpPr>
+          <p:cNvPr id="43" name="TextBox 42"/>
+          <p:cNvSpPr txBox="1"/>
+          <p:nvPr/>
+        </p:nvSpPr>
+        <p:spPr>
+          <a:xfrm>
+            <a:off x="6678721" y="3986537"/>
+            <a:ext cx="261610" cy="369332"/>
+          </a:xfrm>
+          <a:prstGeom prst="rect">
+            <a:avLst/>
+          </a:prstGeom>
+          <a:noFill/>
+        </p:spPr>
+        <p:txBody>
+          <a:bodyPr wrap="none" rtlCol="0">
+            <a:spAutoFit/>
+          </a:bodyPr>
+          <a:lstStyle/>
+          <a:p>
+            <a:r>
+              <a:rPr lang="en-CA" dirty="0" smtClean="0"/>
+              <a:t>t</a:t>
+            </a:r>
+            <a:endParaRPr lang="en-CA" dirty="0"/>
+          </a:p>
+        </p:txBody>
+      </p:sp>
+      <p:sp>
+        <p:nvSpPr>
+          <p:cNvPr id="44" name="TextBox 43"/>
+          <p:cNvSpPr txBox="1"/>
+          <p:nvPr/>
+        </p:nvSpPr>
+        <p:spPr>
+          <a:xfrm>
+            <a:off x="4378162" y="4132410"/>
+            <a:ext cx="301686" cy="369332"/>
+          </a:xfrm>
+          <a:prstGeom prst="rect">
+            <a:avLst/>
+          </a:prstGeom>
+          <a:noFill/>
+        </p:spPr>
+        <p:txBody>
+          <a:bodyPr wrap="none" rtlCol="0">
+            <a:spAutoFit/>
+          </a:bodyPr>
+          <a:lstStyle/>
+          <a:p>
+            <a:r>
+              <a:rPr lang="en-CA" dirty="0" smtClean="0"/>
+              <a:t>3</a:t>
+            </a:r>
+            <a:endParaRPr lang="en-CA" dirty="0"/>
+          </a:p>
+        </p:txBody>
+      </p:sp>
+      <p:sp>
+        <p:nvSpPr>
+          <p:cNvPr id="45" name="TextBox 44"/>
+          <p:cNvSpPr txBox="1"/>
+          <p:nvPr/>
+        </p:nvSpPr>
+        <p:spPr>
+          <a:xfrm>
+            <a:off x="5381394" y="4171203"/>
+            <a:ext cx="301686" cy="369332"/>
+          </a:xfrm>
+          <a:prstGeom prst="rect">
+            <a:avLst/>
+          </a:prstGeom>
+          <a:noFill/>
+        </p:spPr>
+        <p:txBody>
+          <a:bodyPr wrap="none" rtlCol="0">
+            <a:spAutoFit/>
+          </a:bodyPr>
+          <a:lstStyle/>
+          <a:p>
+            <a:r>
+              <a:rPr lang="en-CA" dirty="0" smtClean="0"/>
+              <a:t>4</a:t>
+            </a:r>
+            <a:endParaRPr lang="en-CA" dirty="0"/>
+          </a:p>
+        </p:txBody>
+      </p:sp>
+      <p:sp>
+        <p:nvSpPr>
+          <p:cNvPr id="46" name="TextBox 45"/>
+          <p:cNvSpPr txBox="1"/>
+          <p:nvPr/>
+        </p:nvSpPr>
+        <p:spPr>
+          <a:xfrm>
+            <a:off x="2107780" y="4132410"/>
+            <a:ext cx="301686" cy="369332"/>
+          </a:xfrm>
+          <a:prstGeom prst="rect">
+            <a:avLst/>
+          </a:prstGeom>
+          <a:noFill/>
+        </p:spPr>
+        <p:txBody>
+          <a:bodyPr wrap="none" rtlCol="0">
+            <a:spAutoFit/>
+          </a:bodyPr>
+          <a:lstStyle/>
+          <a:p>
+            <a:r>
+              <a:rPr lang="en-CA" dirty="0" smtClean="0"/>
+              <a:t>1</a:t>
+            </a:r>
+            <a:endParaRPr lang="en-CA" dirty="0"/>
+          </a:p>
+        </p:txBody>
+      </p:sp>
+      <p:sp>
+        <p:nvSpPr>
+          <p:cNvPr id="47" name="TextBox 46"/>
+          <p:cNvSpPr txBox="1"/>
+          <p:nvPr/>
+        </p:nvSpPr>
+        <p:spPr>
+          <a:xfrm>
+            <a:off x="3242971" y="4132410"/>
+            <a:ext cx="301686" cy="369332"/>
+          </a:xfrm>
+          <a:prstGeom prst="rect">
+            <a:avLst/>
+          </a:prstGeom>
+          <a:noFill/>
+        </p:spPr>
+        <p:txBody>
+          <a:bodyPr wrap="none" rtlCol="0">
+            <a:spAutoFit/>
+          </a:bodyPr>
+          <a:lstStyle/>
+          <a:p>
+            <a:r>
+              <a:rPr lang="en-CA" dirty="0" smtClean="0"/>
+              <a:t>2</a:t>
+            </a:r>
+            <a:endParaRPr lang="en-CA" dirty="0"/>
+          </a:p>
+        </p:txBody>
+      </p:sp>
+      <p:cxnSp>
+        <p:nvCxnSpPr>
+          <p:cNvPr id="48" name="Straight Arrow Connector 47"/>
+          <p:cNvCxnSpPr/>
+          <p:nvPr/>
+        </p:nvCxnSpPr>
+        <p:spPr>
+          <a:xfrm>
+            <a:off x="972587" y="4132410"/>
+            <a:ext cx="0" cy="1440000"/>
+          </a:xfrm>
+          <a:prstGeom prst="straightConnector1">
+            <a:avLst/>
+          </a:prstGeom>
+          <a:ln>
+            <a:tailEnd type="triangle"/>
+          </a:ln>
+        </p:spPr>
+        <p:style>
+          <a:lnRef idx="1">
+            <a:schemeClr val="dk1"/>
+          </a:lnRef>
+          <a:fillRef idx="0">
+            <a:schemeClr val="dk1"/>
+          </a:fillRef>
+          <a:effectRef idx="0">
+            <a:schemeClr val="dk1"/>
+          </a:effectRef>
+          <a:fontRef idx="minor">
+            <a:schemeClr val="tx1"/>
+          </a:fontRef>
+        </p:style>
+      </p:cxnSp>
+      <p:sp>
+        <p:nvSpPr>
+          <p:cNvPr id="49" name="TextBox 48"/>
+          <p:cNvSpPr txBox="1"/>
+          <p:nvPr/>
+        </p:nvSpPr>
+        <p:spPr>
+          <a:xfrm>
+            <a:off x="558851" y="5576820"/>
+            <a:ext cx="827471" cy="369332"/>
+          </a:xfrm>
+          <a:prstGeom prst="rect">
+            <a:avLst/>
+          </a:prstGeom>
+          <a:noFill/>
+        </p:spPr>
+        <p:txBody>
+          <a:bodyPr wrap="none" rtlCol="0">
+            <a:spAutoFit/>
+          </a:bodyPr>
+          <a:lstStyle/>
+          <a:p>
+            <a:r>
+              <a:rPr lang="en-CA" dirty="0" smtClean="0"/>
+              <a:t>$8,000</a:t>
+            </a:r>
+            <a:endParaRPr lang="en-CA" dirty="0"/>
+          </a:p>
+        </p:txBody>
+      </p:sp>
+      <p:sp>
+        <p:nvSpPr>
+          <p:cNvPr id="50" name="TextBox 49"/>
+          <p:cNvSpPr txBox="1"/>
+          <p:nvPr/>
+        </p:nvSpPr>
+        <p:spPr>
+          <a:xfrm>
+            <a:off x="1724844" y="5049288"/>
+            <a:ext cx="827471" cy="369332"/>
+          </a:xfrm>
+          <a:prstGeom prst="rect">
+            <a:avLst/>
+          </a:prstGeom>
+          <a:noFill/>
+        </p:spPr>
+        <p:txBody>
+          <a:bodyPr wrap="none" rtlCol="0">
+            <a:spAutoFit/>
+          </a:bodyPr>
+          <a:lstStyle/>
+          <a:p>
+            <a:r>
+              <a:rPr lang="en-CA" dirty="0" smtClean="0"/>
+              <a:t>$3,000</a:t>
+            </a:r>
+            <a:endParaRPr lang="en-CA" dirty="0"/>
+          </a:p>
+        </p:txBody>
+      </p:sp>
+      <p:cxnSp>
+        <p:nvCxnSpPr>
+          <p:cNvPr id="51" name="Straight Arrow Connector 50"/>
+          <p:cNvCxnSpPr/>
+          <p:nvPr/>
+        </p:nvCxnSpPr>
+        <p:spPr>
+          <a:xfrm>
+            <a:off x="2138580" y="4141742"/>
+            <a:ext cx="0" cy="900000"/>
+          </a:xfrm>
+          <a:prstGeom prst="straightConnector1">
+            <a:avLst/>
+          </a:prstGeom>
+          <a:ln>
+            <a:tailEnd type="triangle"/>
+          </a:ln>
+        </p:spPr>
+        <p:style>
+          <a:lnRef idx="1">
+            <a:schemeClr val="dk1"/>
+          </a:lnRef>
+          <a:fillRef idx="0">
+            <a:schemeClr val="dk1"/>
+          </a:fillRef>
+          <a:effectRef idx="0">
+            <a:schemeClr val="dk1"/>
+          </a:effectRef>
+          <a:fontRef idx="minor">
+            <a:schemeClr val="tx1"/>
+          </a:fontRef>
+        </p:style>
+      </p:cxnSp>
+      <p:cxnSp>
+        <p:nvCxnSpPr>
+          <p:cNvPr id="52" name="Straight Arrow Connector 51"/>
+          <p:cNvCxnSpPr/>
+          <p:nvPr/>
+        </p:nvCxnSpPr>
+        <p:spPr>
+          <a:xfrm>
+            <a:off x="6382398" y="4171203"/>
+            <a:ext cx="0" cy="900000"/>
+          </a:xfrm>
+          <a:prstGeom prst="straightConnector1">
+            <a:avLst/>
+          </a:prstGeom>
+          <a:ln>
+            <a:tailEnd type="triangle"/>
+          </a:ln>
+        </p:spPr>
+        <p:style>
+          <a:lnRef idx="1">
+            <a:schemeClr val="dk1"/>
+          </a:lnRef>
+          <a:fillRef idx="0">
+            <a:schemeClr val="dk1"/>
+          </a:fillRef>
+          <a:effectRef idx="0">
+            <a:schemeClr val="dk1"/>
+          </a:effectRef>
+          <a:fontRef idx="minor">
+            <a:schemeClr val="tx1"/>
+          </a:fontRef>
+        </p:style>
+      </p:cxnSp>
+      <p:cxnSp>
+        <p:nvCxnSpPr>
+          <p:cNvPr id="53" name="Straight Connector 52"/>
+          <p:cNvCxnSpPr/>
+          <p:nvPr/>
+        </p:nvCxnSpPr>
+        <p:spPr>
+          <a:xfrm>
+            <a:off x="2107780" y="5046436"/>
+            <a:ext cx="4326604" cy="26647"/>
+          </a:xfrm>
+          <a:prstGeom prst="line">
+            <a:avLst/>
+          </a:prstGeom>
+        </p:spPr>
+        <p:style>
+          <a:lnRef idx="1">
+            <a:schemeClr val="dk1"/>
+          </a:lnRef>
+          <a:fillRef idx="0">
+            <a:schemeClr val="dk1"/>
+          </a:fillRef>
+          <a:effectRef idx="0">
+            <a:schemeClr val="dk1"/>
+          </a:effectRef>
+          <a:fontRef idx="minor">
+            <a:schemeClr val="tx1"/>
+          </a:fontRef>
+        </p:style>
+      </p:cxnSp>
+    </p:spTree>
+    <p:extLst>
+      <p:ext uri="{BB962C8B-B14F-4D97-AF65-F5344CB8AC3E}">
+        <p14:creationId xmlns:p14="http://schemas.microsoft.com/office/powerpoint/2010/main" val="388717338"/>
+      </p:ext>
+    </p:extLst>
+  </p:cSld>
+  <p:clrMapOvr>
+    <a:masterClrMapping/>
+  </p:clrMapOvr>
+</p:sld>
+</file>
+
 <file path=ppt/theme/theme1.xml><?xml version="1.0" encoding="utf-8"?>
 <a:theme xmlns:a="http://schemas.openxmlformats.org/drawingml/2006/main" name="Office Theme">
   <a:themeElements>

--- a/assignment_2/assignment_2.pptx
+++ b/assignment_2/assignment_2.pptx
@@ -3592,7 +3592,7 @@
         </p:nvCxnSpPr>
         <p:spPr>
           <a:xfrm>
-            <a:off x="972589" y="4134196"/>
+            <a:off x="970052" y="3844799"/>
             <a:ext cx="5711495" cy="37007"/>
           </a:xfrm>
           <a:prstGeom prst="straightConnector1">
@@ -4372,7 +4372,7 @@
         </p:nvSpPr>
         <p:spPr>
           <a:xfrm>
-            <a:off x="972588" y="4134196"/>
+            <a:off x="970051" y="3844799"/>
             <a:ext cx="301686" cy="369332"/>
           </a:xfrm>
           <a:prstGeom prst="rect">
@@ -4402,7 +4402,7 @@
         </p:nvSpPr>
         <p:spPr>
           <a:xfrm>
-            <a:off x="6384627" y="4171203"/>
+            <a:off x="6382090" y="3881806"/>
             <a:ext cx="301686" cy="369332"/>
           </a:xfrm>
           <a:prstGeom prst="rect">
@@ -4432,7 +4432,7 @@
         </p:nvSpPr>
         <p:spPr>
           <a:xfrm>
-            <a:off x="6678721" y="3986537"/>
+            <a:off x="6676184" y="3697140"/>
             <a:ext cx="261610" cy="369332"/>
           </a:xfrm>
           <a:prstGeom prst="rect">
@@ -4462,7 +4462,7 @@
         </p:nvSpPr>
         <p:spPr>
           <a:xfrm>
-            <a:off x="4378162" y="4132410"/>
+            <a:off x="4375625" y="3843013"/>
             <a:ext cx="301686" cy="369332"/>
           </a:xfrm>
           <a:prstGeom prst="rect">
@@ -4492,7 +4492,7 @@
         </p:nvSpPr>
         <p:spPr>
           <a:xfrm>
-            <a:off x="5381394" y="4171203"/>
+            <a:off x="5378857" y="3881806"/>
             <a:ext cx="301686" cy="369332"/>
           </a:xfrm>
           <a:prstGeom prst="rect">
@@ -4522,7 +4522,7 @@
         </p:nvSpPr>
         <p:spPr>
           <a:xfrm>
-            <a:off x="2107780" y="4132410"/>
+            <a:off x="2105243" y="3843013"/>
             <a:ext cx="301686" cy="369332"/>
           </a:xfrm>
           <a:prstGeom prst="rect">
@@ -4552,7 +4552,7 @@
         </p:nvSpPr>
         <p:spPr>
           <a:xfrm>
-            <a:off x="3242971" y="4132410"/>
+            <a:off x="3240434" y="3843013"/>
             <a:ext cx="301686" cy="369332"/>
           </a:xfrm>
           <a:prstGeom prst="rect">
@@ -4582,7 +4582,7 @@
         </p:nvCxnSpPr>
         <p:spPr>
           <a:xfrm>
-            <a:off x="972587" y="4132410"/>
+            <a:off x="970050" y="3843013"/>
             <a:ext cx="0" cy="1440000"/>
           </a:xfrm>
           <a:prstGeom prst="straightConnector1">
@@ -4615,7 +4615,7 @@
         </p:nvSpPr>
         <p:spPr>
           <a:xfrm>
-            <a:off x="558851" y="5576820"/>
+            <a:off x="556314" y="5287423"/>
             <a:ext cx="827471" cy="369332"/>
           </a:xfrm>
           <a:prstGeom prst="rect">
@@ -4645,7 +4645,7 @@
         </p:nvSpPr>
         <p:spPr>
           <a:xfrm>
-            <a:off x="1724844" y="5049288"/>
+            <a:off x="1722307" y="4759891"/>
             <a:ext cx="827471" cy="369332"/>
           </a:xfrm>
           <a:prstGeom prst="rect">
@@ -4675,7 +4675,7 @@
         </p:nvCxnSpPr>
         <p:spPr>
           <a:xfrm>
-            <a:off x="2138580" y="4141742"/>
+            <a:off x="2136043" y="3852345"/>
             <a:ext cx="0" cy="900000"/>
           </a:xfrm>
           <a:prstGeom prst="straightConnector1">
@@ -4708,7 +4708,7 @@
         </p:nvCxnSpPr>
         <p:spPr>
           <a:xfrm>
-            <a:off x="6382398" y="4171203"/>
+            <a:off x="6379861" y="3881806"/>
             <a:ext cx="0" cy="900000"/>
           </a:xfrm>
           <a:prstGeom prst="straightConnector1">
@@ -4741,7 +4741,7 @@
         </p:nvCxnSpPr>
         <p:spPr>
           <a:xfrm>
-            <a:off x="2107780" y="5046436"/>
+            <a:off x="2105243" y="4757039"/>
             <a:ext cx="4326604" cy="26647"/>
           </a:xfrm>
           <a:prstGeom prst="line">
@@ -4763,6 +4763,66 @@
           </a:fontRef>
         </p:style>
       </p:cxnSp>
+      <p:sp>
+        <p:nvSpPr>
+          <p:cNvPr id="54" name="TextBox 53"/>
+          <p:cNvSpPr txBox="1"/>
+          <p:nvPr/>
+        </p:nvSpPr>
+        <p:spPr>
+          <a:xfrm>
+            <a:off x="972586" y="739936"/>
+            <a:ext cx="1238352" cy="369332"/>
+          </a:xfrm>
+          <a:prstGeom prst="rect">
+            <a:avLst/>
+          </a:prstGeom>
+          <a:noFill/>
+        </p:spPr>
+        <p:txBody>
+          <a:bodyPr wrap="none" rtlCol="0">
+            <a:spAutoFit/>
+          </a:bodyPr>
+          <a:lstStyle/>
+          <a:p>
+            <a:r>
+              <a:rPr lang="en-CA" dirty="0" smtClean="0"/>
+              <a:t>Company 1</a:t>
+            </a:r>
+            <a:endParaRPr lang="en-CA" dirty="0"/>
+          </a:p>
+        </p:txBody>
+      </p:sp>
+      <p:sp>
+        <p:nvSpPr>
+          <p:cNvPr id="55" name="TextBox 54"/>
+          <p:cNvSpPr txBox="1"/>
+          <p:nvPr/>
+        </p:nvSpPr>
+        <p:spPr>
+          <a:xfrm>
+            <a:off x="972586" y="3476772"/>
+            <a:ext cx="1238352" cy="369332"/>
+          </a:xfrm>
+          <a:prstGeom prst="rect">
+            <a:avLst/>
+          </a:prstGeom>
+          <a:noFill/>
+        </p:spPr>
+        <p:txBody>
+          <a:bodyPr wrap="none" rtlCol="0">
+            <a:spAutoFit/>
+          </a:bodyPr>
+          <a:lstStyle/>
+          <a:p>
+            <a:r>
+              <a:rPr lang="en-CA" dirty="0" smtClean="0"/>
+              <a:t>Company 2</a:t>
+            </a:r>
+            <a:endParaRPr lang="en-CA" dirty="0"/>
+          </a:p>
+        </p:txBody>
+      </p:sp>
     </p:spTree>
     <p:extLst>
       <p:ext uri="{BB962C8B-B14F-4D97-AF65-F5344CB8AC3E}">

--- a/assignment_2/assignment_2.pptx
+++ b/assignment_2/assignment_2.pptx
@@ -4823,6 +4823,105 @@
           </a:p>
         </p:txBody>
       </p:sp>
+      <p:cxnSp>
+        <p:nvCxnSpPr>
+          <p:cNvPr id="56" name="Straight Arrow Connector 55"/>
+          <p:cNvCxnSpPr/>
+          <p:nvPr/>
+        </p:nvCxnSpPr>
+        <p:spPr>
+          <a:xfrm>
+            <a:off x="3310909" y="3875076"/>
+            <a:ext cx="0" cy="900000"/>
+          </a:xfrm>
+          <a:prstGeom prst="straightConnector1">
+            <a:avLst/>
+          </a:prstGeom>
+          <a:ln>
+            <a:tailEnd type="triangle"/>
+          </a:ln>
+        </p:spPr>
+        <p:style>
+          <a:lnRef idx="1">
+            <a:schemeClr val="dk1"/>
+          </a:lnRef>
+          <a:fillRef idx="0">
+            <a:schemeClr val="dk1"/>
+          </a:fillRef>
+          <a:effectRef idx="0">
+            <a:schemeClr val="dk1"/>
+          </a:effectRef>
+          <a:fontRef idx="minor">
+            <a:schemeClr val="tx1"/>
+          </a:fontRef>
+        </p:style>
+      </p:cxnSp>
+      <p:cxnSp>
+        <p:nvCxnSpPr>
+          <p:cNvPr id="57" name="Straight Arrow Connector 56"/>
+          <p:cNvCxnSpPr/>
+          <p:nvPr/>
+        </p:nvCxnSpPr>
+        <p:spPr>
+          <a:xfrm>
+            <a:off x="4378068" y="3881806"/>
+            <a:ext cx="0" cy="900000"/>
+          </a:xfrm>
+          <a:prstGeom prst="straightConnector1">
+            <a:avLst/>
+          </a:prstGeom>
+          <a:ln>
+            <a:tailEnd type="triangle"/>
+          </a:ln>
+        </p:spPr>
+        <p:style>
+          <a:lnRef idx="1">
+            <a:schemeClr val="dk1"/>
+          </a:lnRef>
+          <a:fillRef idx="0">
+            <a:schemeClr val="dk1"/>
+          </a:fillRef>
+          <a:effectRef idx="0">
+            <a:schemeClr val="dk1"/>
+          </a:effectRef>
+          <a:fontRef idx="minor">
+            <a:schemeClr val="tx1"/>
+          </a:fontRef>
+        </p:style>
+      </p:cxnSp>
+      <p:cxnSp>
+        <p:nvCxnSpPr>
+          <p:cNvPr id="58" name="Straight Arrow Connector 57"/>
+          <p:cNvCxnSpPr/>
+          <p:nvPr/>
+        </p:nvCxnSpPr>
+        <p:spPr>
+          <a:xfrm>
+            <a:off x="5414551" y="3881806"/>
+            <a:ext cx="0" cy="900000"/>
+          </a:xfrm>
+          <a:prstGeom prst="straightConnector1">
+            <a:avLst/>
+          </a:prstGeom>
+          <a:ln>
+            <a:tailEnd type="triangle"/>
+          </a:ln>
+        </p:spPr>
+        <p:style>
+          <a:lnRef idx="1">
+            <a:schemeClr val="dk1"/>
+          </a:lnRef>
+          <a:fillRef idx="0">
+            <a:schemeClr val="dk1"/>
+          </a:fillRef>
+          <a:effectRef idx="0">
+            <a:schemeClr val="dk1"/>
+          </a:effectRef>
+          <a:fontRef idx="minor">
+            <a:schemeClr val="tx1"/>
+          </a:fontRef>
+        </p:style>
+      </p:cxnSp>
     </p:spTree>
     <p:extLst>
       <p:ext uri="{BB962C8B-B14F-4D97-AF65-F5344CB8AC3E}">

--- a/assignment_2/assignment_2.pptx
+++ b/assignment_2/assignment_2.pptx
@@ -7,6 +7,9 @@
   <p:sldIdLst>
     <p:sldId id="256" r:id="rId2"/>
     <p:sldId id="257" r:id="rId3"/>
+    <p:sldId id="258" r:id="rId4"/>
+    <p:sldId id="259" r:id="rId5"/>
+    <p:sldId id="260" r:id="rId6"/>
   </p:sldIdLst>
   <p:sldSz cx="12192000" cy="6858000"/>
   <p:notesSz cx="6858000" cy="9144000"/>
@@ -105,6 +108,11 @@
       </a:defRPr>
     </a:lvl9pPr>
   </p:defaultTextStyle>
+  <p:extLst>
+    <p:ext uri="{EFAFB233-063F-42B5-8137-9DF3F51BA10A}">
+      <p15:sldGuideLst xmlns:p15="http://schemas.microsoft.com/office/powerpoint/2012/main"/>
+    </p:ext>
+  </p:extLst>
 </p:presentation>
 </file>
 
@@ -150,7 +158,7 @@
           </a:lstStyle>
           <a:p>
             <a:r>
-              <a:rPr lang="en-US" smtClean="0"/>
+              <a:rPr lang="en-US"/>
               <a:t>Click to edit Master title style</a:t>
             </a:r>
             <a:endParaRPr lang="en-CA"/>
@@ -215,7 +223,7 @@
           </a:lstStyle>
           <a:p>
             <a:r>
-              <a:rPr lang="en-US" smtClean="0"/>
+              <a:rPr lang="en-US"/>
               <a:t>Click to edit Master subtitle style</a:t>
             </a:r>
             <a:endParaRPr lang="en-CA"/>
@@ -333,7 +341,7 @@
           <a:lstStyle/>
           <a:p>
             <a:r>
-              <a:rPr lang="en-US" smtClean="0"/>
+              <a:rPr lang="en-US"/>
               <a:t>Click to edit Master title style</a:t>
             </a:r>
             <a:endParaRPr lang="en-CA"/>
@@ -357,35 +365,35 @@
           <a:p>
             <a:pPr lvl="0"/>
             <a:r>
-              <a:rPr lang="en-US" smtClean="0"/>
+              <a:rPr lang="en-US"/>
               <a:t>Edit Master text styles</a:t>
             </a:r>
           </a:p>
           <a:p>
             <a:pPr lvl="1"/>
             <a:r>
-              <a:rPr lang="en-US" smtClean="0"/>
+              <a:rPr lang="en-US"/>
               <a:t>Second level</a:t>
             </a:r>
           </a:p>
           <a:p>
             <a:pPr lvl="2"/>
             <a:r>
-              <a:rPr lang="en-US" smtClean="0"/>
+              <a:rPr lang="en-US"/>
               <a:t>Third level</a:t>
             </a:r>
           </a:p>
           <a:p>
             <a:pPr lvl="3"/>
             <a:r>
-              <a:rPr lang="en-US" smtClean="0"/>
+              <a:rPr lang="en-US"/>
               <a:t>Fourth level</a:t>
             </a:r>
           </a:p>
           <a:p>
             <a:pPr lvl="4"/>
             <a:r>
-              <a:rPr lang="en-US" smtClean="0"/>
+              <a:rPr lang="en-US"/>
               <a:t>Fifth level</a:t>
             </a:r>
             <a:endParaRPr lang="en-CA"/>
@@ -508,7 +516,7 @@
           <a:lstStyle/>
           <a:p>
             <a:r>
-              <a:rPr lang="en-US" smtClean="0"/>
+              <a:rPr lang="en-US"/>
               <a:t>Click to edit Master title style</a:t>
             </a:r>
             <a:endParaRPr lang="en-CA"/>
@@ -537,35 +545,35 @@
           <a:p>
             <a:pPr lvl="0"/>
             <a:r>
-              <a:rPr lang="en-US" smtClean="0"/>
+              <a:rPr lang="en-US"/>
               <a:t>Edit Master text styles</a:t>
             </a:r>
           </a:p>
           <a:p>
             <a:pPr lvl="1"/>
             <a:r>
-              <a:rPr lang="en-US" smtClean="0"/>
+              <a:rPr lang="en-US"/>
               <a:t>Second level</a:t>
             </a:r>
           </a:p>
           <a:p>
             <a:pPr lvl="2"/>
             <a:r>
-              <a:rPr lang="en-US" smtClean="0"/>
+              <a:rPr lang="en-US"/>
               <a:t>Third level</a:t>
             </a:r>
           </a:p>
           <a:p>
             <a:pPr lvl="3"/>
             <a:r>
-              <a:rPr lang="en-US" smtClean="0"/>
+              <a:rPr lang="en-US"/>
               <a:t>Fourth level</a:t>
             </a:r>
           </a:p>
           <a:p>
             <a:pPr lvl="4"/>
             <a:r>
-              <a:rPr lang="en-US" smtClean="0"/>
+              <a:rPr lang="en-US"/>
               <a:t>Fifth level</a:t>
             </a:r>
             <a:endParaRPr lang="en-CA"/>
@@ -683,7 +691,7 @@
           <a:lstStyle/>
           <a:p>
             <a:r>
-              <a:rPr lang="en-US" smtClean="0"/>
+              <a:rPr lang="en-US"/>
               <a:t>Click to edit Master title style</a:t>
             </a:r>
             <a:endParaRPr lang="en-CA"/>
@@ -707,35 +715,35 @@
           <a:p>
             <a:pPr lvl="0"/>
             <a:r>
-              <a:rPr lang="en-US" smtClean="0"/>
+              <a:rPr lang="en-US"/>
               <a:t>Edit Master text styles</a:t>
             </a:r>
           </a:p>
           <a:p>
             <a:pPr lvl="1"/>
             <a:r>
-              <a:rPr lang="en-US" smtClean="0"/>
+              <a:rPr lang="en-US"/>
               <a:t>Second level</a:t>
             </a:r>
           </a:p>
           <a:p>
             <a:pPr lvl="2"/>
             <a:r>
-              <a:rPr lang="en-US" smtClean="0"/>
+              <a:rPr lang="en-US"/>
               <a:t>Third level</a:t>
             </a:r>
           </a:p>
           <a:p>
             <a:pPr lvl="3"/>
             <a:r>
-              <a:rPr lang="en-US" smtClean="0"/>
+              <a:rPr lang="en-US"/>
               <a:t>Fourth level</a:t>
             </a:r>
           </a:p>
           <a:p>
             <a:pPr lvl="4"/>
             <a:r>
-              <a:rPr lang="en-US" smtClean="0"/>
+              <a:rPr lang="en-US"/>
               <a:t>Fifth level</a:t>
             </a:r>
             <a:endParaRPr lang="en-CA"/>
@@ -862,7 +870,7 @@
           </a:lstStyle>
           <a:p>
             <a:r>
-              <a:rPr lang="en-US" smtClean="0"/>
+              <a:rPr lang="en-US"/>
               <a:t>Click to edit Master title style</a:t>
             </a:r>
             <a:endParaRPr lang="en-CA"/>
@@ -982,7 +990,7 @@
           <a:p>
             <a:pPr lvl="0"/>
             <a:r>
-              <a:rPr lang="en-US" smtClean="0"/>
+              <a:rPr lang="en-US"/>
               <a:t>Edit Master text styles</a:t>
             </a:r>
           </a:p>
@@ -1099,7 +1107,7 @@
           <a:lstStyle/>
           <a:p>
             <a:r>
-              <a:rPr lang="en-US" smtClean="0"/>
+              <a:rPr lang="en-US"/>
               <a:t>Click to edit Master title style</a:t>
             </a:r>
             <a:endParaRPr lang="en-CA"/>
@@ -1128,35 +1136,35 @@
           <a:p>
             <a:pPr lvl="0"/>
             <a:r>
-              <a:rPr lang="en-US" smtClean="0"/>
+              <a:rPr lang="en-US"/>
               <a:t>Edit Master text styles</a:t>
             </a:r>
           </a:p>
           <a:p>
             <a:pPr lvl="1"/>
             <a:r>
-              <a:rPr lang="en-US" smtClean="0"/>
+              <a:rPr lang="en-US"/>
               <a:t>Second level</a:t>
             </a:r>
           </a:p>
           <a:p>
             <a:pPr lvl="2"/>
             <a:r>
-              <a:rPr lang="en-US" smtClean="0"/>
+              <a:rPr lang="en-US"/>
               <a:t>Third level</a:t>
             </a:r>
           </a:p>
           <a:p>
             <a:pPr lvl="3"/>
             <a:r>
-              <a:rPr lang="en-US" smtClean="0"/>
+              <a:rPr lang="en-US"/>
               <a:t>Fourth level</a:t>
             </a:r>
           </a:p>
           <a:p>
             <a:pPr lvl="4"/>
             <a:r>
-              <a:rPr lang="en-US" smtClean="0"/>
+              <a:rPr lang="en-US"/>
               <a:t>Fifth level</a:t>
             </a:r>
             <a:endParaRPr lang="en-CA"/>
@@ -1185,35 +1193,35 @@
           <a:p>
             <a:pPr lvl="0"/>
             <a:r>
-              <a:rPr lang="en-US" smtClean="0"/>
+              <a:rPr lang="en-US"/>
               <a:t>Edit Master text styles</a:t>
             </a:r>
           </a:p>
           <a:p>
             <a:pPr lvl="1"/>
             <a:r>
-              <a:rPr lang="en-US" smtClean="0"/>
+              <a:rPr lang="en-US"/>
               <a:t>Second level</a:t>
             </a:r>
           </a:p>
           <a:p>
             <a:pPr lvl="2"/>
             <a:r>
-              <a:rPr lang="en-US" smtClean="0"/>
+              <a:rPr lang="en-US"/>
               <a:t>Third level</a:t>
             </a:r>
           </a:p>
           <a:p>
             <a:pPr lvl="3"/>
             <a:r>
-              <a:rPr lang="en-US" smtClean="0"/>
+              <a:rPr lang="en-US"/>
               <a:t>Fourth level</a:t>
             </a:r>
           </a:p>
           <a:p>
             <a:pPr lvl="4"/>
             <a:r>
-              <a:rPr lang="en-US" smtClean="0"/>
+              <a:rPr lang="en-US"/>
               <a:t>Fifth level</a:t>
             </a:r>
             <a:endParaRPr lang="en-CA"/>
@@ -1336,7 +1344,7 @@
           <a:lstStyle/>
           <a:p>
             <a:r>
-              <a:rPr lang="en-US" smtClean="0"/>
+              <a:rPr lang="en-US"/>
               <a:t>Click to edit Master title style</a:t>
             </a:r>
             <a:endParaRPr lang="en-CA"/>
@@ -1402,7 +1410,7 @@
           <a:p>
             <a:pPr lvl="0"/>
             <a:r>
-              <a:rPr lang="en-US" smtClean="0"/>
+              <a:rPr lang="en-US"/>
               <a:t>Edit Master text styles</a:t>
             </a:r>
           </a:p>
@@ -1430,35 +1438,35 @@
           <a:p>
             <a:pPr lvl="0"/>
             <a:r>
-              <a:rPr lang="en-US" smtClean="0"/>
+              <a:rPr lang="en-US"/>
               <a:t>Edit Master text styles</a:t>
             </a:r>
           </a:p>
           <a:p>
             <a:pPr lvl="1"/>
             <a:r>
-              <a:rPr lang="en-US" smtClean="0"/>
+              <a:rPr lang="en-US"/>
               <a:t>Second level</a:t>
             </a:r>
           </a:p>
           <a:p>
             <a:pPr lvl="2"/>
             <a:r>
-              <a:rPr lang="en-US" smtClean="0"/>
+              <a:rPr lang="en-US"/>
               <a:t>Third level</a:t>
             </a:r>
           </a:p>
           <a:p>
             <a:pPr lvl="3"/>
             <a:r>
-              <a:rPr lang="en-US" smtClean="0"/>
+              <a:rPr lang="en-US"/>
               <a:t>Fourth level</a:t>
             </a:r>
           </a:p>
           <a:p>
             <a:pPr lvl="4"/>
             <a:r>
-              <a:rPr lang="en-US" smtClean="0"/>
+              <a:rPr lang="en-US"/>
               <a:t>Fifth level</a:t>
             </a:r>
             <a:endParaRPr lang="en-CA"/>
@@ -1524,7 +1532,7 @@
           <a:p>
             <a:pPr lvl="0"/>
             <a:r>
-              <a:rPr lang="en-US" smtClean="0"/>
+              <a:rPr lang="en-US"/>
               <a:t>Edit Master text styles</a:t>
             </a:r>
           </a:p>
@@ -1552,35 +1560,35 @@
           <a:p>
             <a:pPr lvl="0"/>
             <a:r>
-              <a:rPr lang="en-US" smtClean="0"/>
+              <a:rPr lang="en-US"/>
               <a:t>Edit Master text styles</a:t>
             </a:r>
           </a:p>
           <a:p>
             <a:pPr lvl="1"/>
             <a:r>
-              <a:rPr lang="en-US" smtClean="0"/>
+              <a:rPr lang="en-US"/>
               <a:t>Second level</a:t>
             </a:r>
           </a:p>
           <a:p>
             <a:pPr lvl="2"/>
             <a:r>
-              <a:rPr lang="en-US" smtClean="0"/>
+              <a:rPr lang="en-US"/>
               <a:t>Third level</a:t>
             </a:r>
           </a:p>
           <a:p>
             <a:pPr lvl="3"/>
             <a:r>
-              <a:rPr lang="en-US" smtClean="0"/>
+              <a:rPr lang="en-US"/>
               <a:t>Fourth level</a:t>
             </a:r>
           </a:p>
           <a:p>
             <a:pPr lvl="4"/>
             <a:r>
-              <a:rPr lang="en-US" smtClean="0"/>
+              <a:rPr lang="en-US"/>
               <a:t>Fifth level</a:t>
             </a:r>
             <a:endParaRPr lang="en-CA"/>
@@ -1698,7 +1706,7 @@
           <a:lstStyle/>
           <a:p>
             <a:r>
-              <a:rPr lang="en-US" smtClean="0"/>
+              <a:rPr lang="en-US"/>
               <a:t>Click to edit Master title style</a:t>
             </a:r>
             <a:endParaRPr lang="en-CA"/>
@@ -1920,7 +1928,7 @@
           </a:lstStyle>
           <a:p>
             <a:r>
-              <a:rPr lang="en-US" smtClean="0"/>
+              <a:rPr lang="en-US"/>
               <a:t>Click to edit Master title style</a:t>
             </a:r>
             <a:endParaRPr lang="en-CA"/>
@@ -1977,35 +1985,35 @@
           <a:p>
             <a:pPr lvl="0"/>
             <a:r>
-              <a:rPr lang="en-US" smtClean="0"/>
+              <a:rPr lang="en-US"/>
               <a:t>Edit Master text styles</a:t>
             </a:r>
           </a:p>
           <a:p>
             <a:pPr lvl="1"/>
             <a:r>
-              <a:rPr lang="en-US" smtClean="0"/>
+              <a:rPr lang="en-US"/>
               <a:t>Second level</a:t>
             </a:r>
           </a:p>
           <a:p>
             <a:pPr lvl="2"/>
             <a:r>
-              <a:rPr lang="en-US" smtClean="0"/>
+              <a:rPr lang="en-US"/>
               <a:t>Third level</a:t>
             </a:r>
           </a:p>
           <a:p>
             <a:pPr lvl="3"/>
             <a:r>
-              <a:rPr lang="en-US" smtClean="0"/>
+              <a:rPr lang="en-US"/>
               <a:t>Fourth level</a:t>
             </a:r>
           </a:p>
           <a:p>
             <a:pPr lvl="4"/>
             <a:r>
-              <a:rPr lang="en-US" smtClean="0"/>
+              <a:rPr lang="en-US"/>
               <a:t>Fifth level</a:t>
             </a:r>
             <a:endParaRPr lang="en-CA"/>
@@ -2071,7 +2079,7 @@
           <a:p>
             <a:pPr lvl="0"/>
             <a:r>
-              <a:rPr lang="en-US" smtClean="0"/>
+              <a:rPr lang="en-US"/>
               <a:t>Edit Master text styles</a:t>
             </a:r>
           </a:p>
@@ -2197,7 +2205,7 @@
           </a:lstStyle>
           <a:p>
             <a:r>
-              <a:rPr lang="en-US" smtClean="0"/>
+              <a:rPr lang="en-US"/>
               <a:t>Click to edit Master title style</a:t>
             </a:r>
             <a:endParaRPr lang="en-CA"/>
@@ -2324,7 +2332,7 @@
           <a:p>
             <a:pPr lvl="0"/>
             <a:r>
-              <a:rPr lang="en-US" smtClean="0"/>
+              <a:rPr lang="en-US"/>
               <a:t>Edit Master text styles</a:t>
             </a:r>
           </a:p>
@@ -2456,7 +2464,7 @@
           <a:lstStyle/>
           <a:p>
             <a:r>
-              <a:rPr lang="en-US" smtClean="0"/>
+              <a:rPr lang="en-US"/>
               <a:t>Click to edit Master title style</a:t>
             </a:r>
             <a:endParaRPr lang="en-CA"/>
@@ -2490,35 +2498,35 @@
           <a:p>
             <a:pPr lvl="0"/>
             <a:r>
-              <a:rPr lang="en-US" smtClean="0"/>
+              <a:rPr lang="en-US"/>
               <a:t>Edit Master text styles</a:t>
             </a:r>
           </a:p>
           <a:p>
             <a:pPr lvl="1"/>
             <a:r>
-              <a:rPr lang="en-US" smtClean="0"/>
+              <a:rPr lang="en-US"/>
               <a:t>Second level</a:t>
             </a:r>
           </a:p>
           <a:p>
             <a:pPr lvl="2"/>
             <a:r>
-              <a:rPr lang="en-US" smtClean="0"/>
+              <a:rPr lang="en-US"/>
               <a:t>Third level</a:t>
             </a:r>
           </a:p>
           <a:p>
             <a:pPr lvl="3"/>
             <a:r>
-              <a:rPr lang="en-US" smtClean="0"/>
+              <a:rPr lang="en-US"/>
               <a:t>Fourth level</a:t>
             </a:r>
           </a:p>
           <a:p>
             <a:pPr lvl="4"/>
             <a:r>
-              <a:rPr lang="en-US" smtClean="0"/>
+              <a:rPr lang="en-US"/>
               <a:t>Fifth level</a:t>
             </a:r>
             <a:endParaRPr lang="en-CA"/>
@@ -3051,10 +3059,9 @@
           <a:lstStyle/>
           <a:p>
             <a:r>
-              <a:rPr lang="en-CA" dirty="0" smtClean="0"/>
+              <a:rPr lang="en-CA" dirty="0"/>
               <a:t>t (months)</a:t>
             </a:r>
-            <a:endParaRPr lang="en-CA" dirty="0"/>
           </a:p>
         </p:txBody>
       </p:sp>
@@ -3081,10 +3088,9 @@
           <a:lstStyle/>
           <a:p>
             <a:r>
-              <a:rPr lang="en-CA" dirty="0" smtClean="0"/>
+              <a:rPr lang="en-CA" dirty="0"/>
               <a:t>0</a:t>
             </a:r>
-            <a:endParaRPr lang="en-CA" dirty="0"/>
           </a:p>
         </p:txBody>
       </p:sp>
@@ -3140,10 +3146,9 @@
           <a:lstStyle/>
           <a:p>
             <a:r>
-              <a:rPr lang="en-CA" dirty="0" smtClean="0"/>
+              <a:rPr lang="en-CA" dirty="0"/>
               <a:t>2</a:t>
             </a:r>
-            <a:endParaRPr lang="en-CA" dirty="0"/>
           </a:p>
         </p:txBody>
       </p:sp>
@@ -3170,10 +3175,9 @@
           <a:lstStyle/>
           <a:p>
             <a:r>
-              <a:rPr lang="en-CA" dirty="0" smtClean="0"/>
+              <a:rPr lang="en-CA" dirty="0"/>
               <a:t>143</a:t>
             </a:r>
-            <a:endParaRPr lang="en-CA" dirty="0"/>
           </a:p>
         </p:txBody>
       </p:sp>
@@ -3200,10 +3204,9 @@
           <a:lstStyle/>
           <a:p>
             <a:r>
-              <a:rPr lang="en-CA" dirty="0" smtClean="0"/>
+              <a:rPr lang="en-CA" dirty="0"/>
               <a:t>144</a:t>
             </a:r>
-            <a:endParaRPr lang="en-CA" dirty="0"/>
           </a:p>
         </p:txBody>
       </p:sp>
@@ -3394,10 +3397,9 @@
           <a:lstStyle/>
           <a:p>
             <a:r>
-              <a:rPr lang="en-CA" dirty="0" smtClean="0"/>
+              <a:rPr lang="en-CA" dirty="0"/>
               <a:t>$330.97</a:t>
             </a:r>
-            <a:endParaRPr lang="en-CA" dirty="0"/>
           </a:p>
         </p:txBody>
       </p:sp>
@@ -3424,10 +3426,9 @@
           <a:lstStyle/>
           <a:p>
             <a:r>
-              <a:rPr lang="en-CA" dirty="0" smtClean="0"/>
+              <a:rPr lang="en-CA" dirty="0"/>
               <a:t>$330.97</a:t>
             </a:r>
-            <a:endParaRPr lang="en-CA" dirty="0"/>
           </a:p>
         </p:txBody>
       </p:sp>
@@ -3454,10 +3455,9 @@
           <a:lstStyle/>
           <a:p>
             <a:r>
-              <a:rPr lang="en-CA" dirty="0" smtClean="0"/>
+              <a:rPr lang="en-CA" dirty="0"/>
               <a:t>$330.97</a:t>
             </a:r>
-            <a:endParaRPr lang="en-CA" dirty="0"/>
           </a:p>
         </p:txBody>
       </p:sp>
@@ -3484,10 +3484,9 @@
           <a:lstStyle/>
           <a:p>
             <a:r>
-              <a:rPr lang="en-CA" dirty="0" smtClean="0"/>
+              <a:rPr lang="en-CA" dirty="0"/>
               <a:t>$330.97</a:t>
             </a:r>
-            <a:endParaRPr lang="en-CA" dirty="0"/>
           </a:p>
         </p:txBody>
       </p:sp>
@@ -3514,10 +3513,9 @@
           <a:lstStyle/>
           <a:p>
             <a:r>
-              <a:rPr lang="en-CA" dirty="0" smtClean="0"/>
+              <a:rPr lang="en-CA" dirty="0"/>
               <a:t>. . .</a:t>
             </a:r>
-            <a:endParaRPr lang="en-CA" dirty="0"/>
           </a:p>
         </p:txBody>
       </p:sp>
@@ -3706,10 +3704,9 @@
           <a:lstStyle/>
           <a:p>
             <a:r>
-              <a:rPr lang="en-CA" dirty="0" smtClean="0"/>
+              <a:rPr lang="en-CA" dirty="0"/>
               <a:t>0</a:t>
             </a:r>
-            <a:endParaRPr lang="en-CA" dirty="0"/>
           </a:p>
         </p:txBody>
       </p:sp>
@@ -3736,10 +3733,9 @@
           <a:lstStyle/>
           <a:p>
             <a:r>
-              <a:rPr lang="en-CA" dirty="0" smtClean="0"/>
+              <a:rPr lang="en-CA" dirty="0"/>
               <a:t>4</a:t>
             </a:r>
-            <a:endParaRPr lang="en-CA" dirty="0"/>
           </a:p>
         </p:txBody>
       </p:sp>
@@ -3766,10 +3762,9 @@
           <a:lstStyle/>
           <a:p>
             <a:r>
-              <a:rPr lang="en-CA" dirty="0" smtClean="0"/>
+              <a:rPr lang="en-CA" dirty="0"/>
               <a:t>1</a:t>
             </a:r>
-            <a:endParaRPr lang="en-CA" dirty="0"/>
           </a:p>
         </p:txBody>
       </p:sp>
@@ -3796,10 +3791,9 @@
           <a:lstStyle/>
           <a:p>
             <a:r>
-              <a:rPr lang="en-CA" dirty="0" smtClean="0"/>
+              <a:rPr lang="en-CA" dirty="0"/>
               <a:t>2</a:t>
             </a:r>
-            <a:endParaRPr lang="en-CA" dirty="0"/>
           </a:p>
         </p:txBody>
       </p:sp>
@@ -3826,10 +3820,9 @@
           <a:lstStyle/>
           <a:p>
             <a:r>
-              <a:rPr lang="en-CA" dirty="0" smtClean="0"/>
+              <a:rPr lang="en-CA" dirty="0"/>
               <a:t>3</a:t>
             </a:r>
-            <a:endParaRPr lang="en-CA" dirty="0"/>
           </a:p>
         </p:txBody>
       </p:sp>
@@ -3856,10 +3849,9 @@
           <a:lstStyle/>
           <a:p>
             <a:r>
-              <a:rPr lang="en-CA" dirty="0" smtClean="0"/>
+              <a:rPr lang="en-CA" dirty="0"/>
               <a:t>5</a:t>
             </a:r>
-            <a:endParaRPr lang="en-CA" dirty="0"/>
           </a:p>
         </p:txBody>
       </p:sp>
@@ -3886,10 +3878,9 @@
           <a:lstStyle/>
           <a:p>
             <a:r>
-              <a:rPr lang="en-CA" dirty="0" smtClean="0"/>
+              <a:rPr lang="en-CA" dirty="0"/>
               <a:t>6</a:t>
             </a:r>
-            <a:endParaRPr lang="en-CA" dirty="0"/>
           </a:p>
         </p:txBody>
       </p:sp>
@@ -3916,10 +3907,9 @@
           <a:lstStyle/>
           <a:p>
             <a:r>
-              <a:rPr lang="en-CA" dirty="0" smtClean="0"/>
+              <a:rPr lang="en-CA" dirty="0"/>
               <a:t>7</a:t>
             </a:r>
-            <a:endParaRPr lang="en-CA" dirty="0"/>
           </a:p>
         </p:txBody>
       </p:sp>
@@ -3946,10 +3936,9 @@
           <a:lstStyle/>
           <a:p>
             <a:r>
-              <a:rPr lang="en-CA" dirty="0" smtClean="0"/>
+              <a:rPr lang="en-CA" dirty="0"/>
               <a:t>8</a:t>
             </a:r>
-            <a:endParaRPr lang="en-CA" dirty="0"/>
           </a:p>
         </p:txBody>
       </p:sp>
@@ -4207,10 +4196,9 @@
           <a:lstStyle/>
           <a:p>
             <a:r>
-              <a:rPr lang="en-CA" dirty="0" smtClean="0"/>
+              <a:rPr lang="en-CA" dirty="0"/>
               <a:t>t</a:t>
             </a:r>
-            <a:endParaRPr lang="en-CA" dirty="0"/>
           </a:p>
         </p:txBody>
       </p:sp>
@@ -4297,10 +4285,9 @@
           <a:lstStyle/>
           <a:p>
             <a:r>
-              <a:rPr lang="en-CA" dirty="0" smtClean="0"/>
+              <a:rPr lang="en-CA" dirty="0"/>
               <a:t>$10,000</a:t>
             </a:r>
-            <a:endParaRPr lang="en-CA" dirty="0"/>
           </a:p>
         </p:txBody>
       </p:sp>
@@ -4327,10 +4314,9 @@
           <a:lstStyle/>
           <a:p>
             <a:r>
-              <a:rPr lang="en-CA" dirty="0" smtClean="0"/>
+              <a:rPr lang="en-CA" dirty="0"/>
               <a:t>$2,200</a:t>
             </a:r>
-            <a:endParaRPr lang="en-CA" dirty="0"/>
           </a:p>
         </p:txBody>
       </p:sp>
@@ -4357,10 +4343,9 @@
           <a:lstStyle/>
           <a:p>
             <a:r>
-              <a:rPr lang="en-CA" dirty="0" smtClean="0"/>
+              <a:rPr lang="en-CA" dirty="0"/>
               <a:t>$2,400</a:t>
             </a:r>
-            <a:endParaRPr lang="en-CA" dirty="0"/>
           </a:p>
         </p:txBody>
       </p:sp>
@@ -4387,10 +4372,9 @@
           <a:lstStyle/>
           <a:p>
             <a:r>
-              <a:rPr lang="en-CA" dirty="0" smtClean="0"/>
+              <a:rPr lang="en-CA" dirty="0"/>
               <a:t>0</a:t>
             </a:r>
-            <a:endParaRPr lang="en-CA" dirty="0"/>
           </a:p>
         </p:txBody>
       </p:sp>
@@ -4417,10 +4401,9 @@
           <a:lstStyle/>
           <a:p>
             <a:r>
-              <a:rPr lang="en-CA" dirty="0" smtClean="0"/>
+              <a:rPr lang="en-CA" dirty="0"/>
               <a:t>5</a:t>
             </a:r>
-            <a:endParaRPr lang="en-CA" dirty="0"/>
           </a:p>
         </p:txBody>
       </p:sp>
@@ -4447,10 +4430,9 @@
           <a:lstStyle/>
           <a:p>
             <a:r>
-              <a:rPr lang="en-CA" dirty="0" smtClean="0"/>
+              <a:rPr lang="en-CA" dirty="0"/>
               <a:t>t</a:t>
             </a:r>
-            <a:endParaRPr lang="en-CA" dirty="0"/>
           </a:p>
         </p:txBody>
       </p:sp>
@@ -4477,10 +4459,9 @@
           <a:lstStyle/>
           <a:p>
             <a:r>
-              <a:rPr lang="en-CA" dirty="0" smtClean="0"/>
+              <a:rPr lang="en-CA" dirty="0"/>
               <a:t>3</a:t>
             </a:r>
-            <a:endParaRPr lang="en-CA" dirty="0"/>
           </a:p>
         </p:txBody>
       </p:sp>
@@ -4507,10 +4488,9 @@
           <a:lstStyle/>
           <a:p>
             <a:r>
-              <a:rPr lang="en-CA" dirty="0" smtClean="0"/>
+              <a:rPr lang="en-CA" dirty="0"/>
               <a:t>4</a:t>
             </a:r>
-            <a:endParaRPr lang="en-CA" dirty="0"/>
           </a:p>
         </p:txBody>
       </p:sp>
@@ -4537,10 +4517,9 @@
           <a:lstStyle/>
           <a:p>
             <a:r>
-              <a:rPr lang="en-CA" dirty="0" smtClean="0"/>
+              <a:rPr lang="en-CA" dirty="0"/>
               <a:t>1</a:t>
             </a:r>
-            <a:endParaRPr lang="en-CA" dirty="0"/>
           </a:p>
         </p:txBody>
       </p:sp>
@@ -4567,10 +4546,9 @@
           <a:lstStyle/>
           <a:p>
             <a:r>
-              <a:rPr lang="en-CA" dirty="0" smtClean="0"/>
+              <a:rPr lang="en-CA" dirty="0"/>
               <a:t>2</a:t>
             </a:r>
-            <a:endParaRPr lang="en-CA" dirty="0"/>
           </a:p>
         </p:txBody>
       </p:sp>
@@ -4630,10 +4608,9 @@
           <a:lstStyle/>
           <a:p>
             <a:r>
-              <a:rPr lang="en-CA" dirty="0" smtClean="0"/>
+              <a:rPr lang="en-CA" dirty="0"/>
               <a:t>$8,000</a:t>
             </a:r>
-            <a:endParaRPr lang="en-CA" dirty="0"/>
           </a:p>
         </p:txBody>
       </p:sp>
@@ -4660,10 +4637,9 @@
           <a:lstStyle/>
           <a:p>
             <a:r>
-              <a:rPr lang="en-CA" dirty="0" smtClean="0"/>
+              <a:rPr lang="en-CA" dirty="0"/>
               <a:t>$3,000</a:t>
             </a:r>
-            <a:endParaRPr lang="en-CA" dirty="0"/>
           </a:p>
         </p:txBody>
       </p:sp>
@@ -4786,10 +4762,9 @@
           <a:lstStyle/>
           <a:p>
             <a:r>
-              <a:rPr lang="en-CA" dirty="0" smtClean="0"/>
+              <a:rPr lang="en-CA" dirty="0"/>
               <a:t>Company 1</a:t>
             </a:r>
-            <a:endParaRPr lang="en-CA" dirty="0"/>
           </a:p>
         </p:txBody>
       </p:sp>
@@ -4816,10 +4791,9 @@
           <a:lstStyle/>
           <a:p>
             <a:r>
-              <a:rPr lang="en-CA" dirty="0" smtClean="0"/>
+              <a:rPr lang="en-CA" dirty="0"/>
               <a:t>Company 2</a:t>
             </a:r>
-            <a:endParaRPr lang="en-CA" dirty="0"/>
           </a:p>
         </p:txBody>
       </p:sp>
@@ -4926,6 +4900,2761 @@
     <p:extLst>
       <p:ext uri="{BB962C8B-B14F-4D97-AF65-F5344CB8AC3E}">
         <p14:creationId xmlns:p14="http://schemas.microsoft.com/office/powerpoint/2010/main" val="388717338"/>
+      </p:ext>
+    </p:extLst>
+  </p:cSld>
+  <p:clrMapOvr>
+    <a:masterClrMapping/>
+  </p:clrMapOvr>
+</p:sld>
+</file>
+
+<file path=ppt/slides/slide3.xml><?xml version="1.0" encoding="utf-8"?>
+<p:sld xmlns:a="http://schemas.openxmlformats.org/drawingml/2006/main" xmlns:r="http://schemas.openxmlformats.org/officeDocument/2006/relationships" xmlns:p="http://schemas.openxmlformats.org/presentationml/2006/main">
+  <p:cSld>
+    <p:spTree>
+      <p:nvGrpSpPr>
+        <p:cNvPr id="1" name=""/>
+        <p:cNvGrpSpPr/>
+        <p:nvPr/>
+      </p:nvGrpSpPr>
+      <p:grpSpPr>
+        <a:xfrm>
+          <a:off x="0" y="0"/>
+          <a:ext cx="0" cy="0"/>
+          <a:chOff x="0" y="0"/>
+          <a:chExt cx="0" cy="0"/>
+        </a:xfrm>
+      </p:grpSpPr>
+      <p:cxnSp>
+        <p:nvCxnSpPr>
+          <p:cNvPr id="5" name="Straight Arrow Connector 4">
+            <a:extLst>
+              <a:ext uri="{FF2B5EF4-FFF2-40B4-BE49-F238E27FC236}">
+                <a16:creationId xmlns:a16="http://schemas.microsoft.com/office/drawing/2014/main" id="{5BAF30DA-44CC-4A04-9611-0F79A5E3FDC6}"/>
+              </a:ext>
+            </a:extLst>
+          </p:cNvPr>
+          <p:cNvCxnSpPr/>
+          <p:nvPr/>
+        </p:nvCxnSpPr>
+        <p:spPr>
+          <a:xfrm>
+            <a:off x="710214" y="701336"/>
+            <a:ext cx="9960745" cy="0"/>
+          </a:xfrm>
+          <a:prstGeom prst="straightConnector1">
+            <a:avLst/>
+          </a:prstGeom>
+          <a:ln>
+            <a:tailEnd type="triangle"/>
+          </a:ln>
+        </p:spPr>
+        <p:style>
+          <a:lnRef idx="1">
+            <a:schemeClr val="dk1"/>
+          </a:lnRef>
+          <a:fillRef idx="0">
+            <a:schemeClr val="dk1"/>
+          </a:fillRef>
+          <a:effectRef idx="0">
+            <a:schemeClr val="dk1"/>
+          </a:effectRef>
+          <a:fontRef idx="minor">
+            <a:schemeClr val="tx1"/>
+          </a:fontRef>
+        </p:style>
+      </p:cxnSp>
+      <p:sp>
+        <p:nvSpPr>
+          <p:cNvPr id="6" name="TextBox 5">
+            <a:extLst>
+              <a:ext uri="{FF2B5EF4-FFF2-40B4-BE49-F238E27FC236}">
+                <a16:creationId xmlns:a16="http://schemas.microsoft.com/office/drawing/2014/main" id="{1542478B-7BAC-40B9-B1FB-2DECC0832761}"/>
+              </a:ext>
+            </a:extLst>
+          </p:cNvPr>
+          <p:cNvSpPr txBox="1"/>
+          <p:nvPr/>
+        </p:nvSpPr>
+        <p:spPr>
+          <a:xfrm>
+            <a:off x="10750858" y="516670"/>
+            <a:ext cx="248575" cy="369332"/>
+          </a:xfrm>
+          <a:prstGeom prst="rect">
+            <a:avLst/>
+          </a:prstGeom>
+          <a:noFill/>
+        </p:spPr>
+        <p:txBody>
+          <a:bodyPr wrap="square" rtlCol="0">
+            <a:spAutoFit/>
+          </a:bodyPr>
+          <a:lstStyle/>
+          <a:p>
+            <a:r>
+              <a:rPr lang="en-CA" dirty="0"/>
+              <a:t>t</a:t>
+            </a:r>
+          </a:p>
+        </p:txBody>
+      </p:sp>
+      <p:sp>
+        <p:nvSpPr>
+          <p:cNvPr id="7" name="TextBox 6">
+            <a:extLst>
+              <a:ext uri="{FF2B5EF4-FFF2-40B4-BE49-F238E27FC236}">
+                <a16:creationId xmlns:a16="http://schemas.microsoft.com/office/drawing/2014/main" id="{42FD605D-C10C-4E83-9924-A7A9F9D48513}"/>
+              </a:ext>
+            </a:extLst>
+          </p:cNvPr>
+          <p:cNvSpPr txBox="1"/>
+          <p:nvPr/>
+        </p:nvSpPr>
+        <p:spPr>
+          <a:xfrm>
+            <a:off x="827103" y="701336"/>
+            <a:ext cx="248575" cy="369332"/>
+          </a:xfrm>
+          <a:prstGeom prst="rect">
+            <a:avLst/>
+          </a:prstGeom>
+          <a:noFill/>
+        </p:spPr>
+        <p:txBody>
+          <a:bodyPr wrap="square" rtlCol="0">
+            <a:spAutoFit/>
+          </a:bodyPr>
+          <a:lstStyle/>
+          <a:p>
+            <a:r>
+              <a:rPr lang="en-CA" dirty="0"/>
+              <a:t>0</a:t>
+            </a:r>
+          </a:p>
+        </p:txBody>
+      </p:sp>
+      <p:sp>
+        <p:nvSpPr>
+          <p:cNvPr id="8" name="TextBox 7">
+            <a:extLst>
+              <a:ext uri="{FF2B5EF4-FFF2-40B4-BE49-F238E27FC236}">
+                <a16:creationId xmlns:a16="http://schemas.microsoft.com/office/drawing/2014/main" id="{2815DA40-E13A-484E-8432-ADAFC3AB012B}"/>
+              </a:ext>
+            </a:extLst>
+          </p:cNvPr>
+          <p:cNvSpPr txBox="1"/>
+          <p:nvPr/>
+        </p:nvSpPr>
+        <p:spPr>
+          <a:xfrm>
+            <a:off x="10221157" y="701336"/>
+            <a:ext cx="449802" cy="369332"/>
+          </a:xfrm>
+          <a:prstGeom prst="rect">
+            <a:avLst/>
+          </a:prstGeom>
+          <a:noFill/>
+        </p:spPr>
+        <p:txBody>
+          <a:bodyPr wrap="square" rtlCol="0">
+            <a:spAutoFit/>
+          </a:bodyPr>
+          <a:lstStyle/>
+          <a:p>
+            <a:r>
+              <a:rPr lang="en-CA" dirty="0"/>
+              <a:t>35</a:t>
+            </a:r>
+          </a:p>
+        </p:txBody>
+      </p:sp>
+      <p:sp>
+        <p:nvSpPr>
+          <p:cNvPr id="9" name="TextBox 8">
+            <a:extLst>
+              <a:ext uri="{FF2B5EF4-FFF2-40B4-BE49-F238E27FC236}">
+                <a16:creationId xmlns:a16="http://schemas.microsoft.com/office/drawing/2014/main" id="{F22CAB35-F62D-4E9B-8223-09612B9544BF}"/>
+              </a:ext>
+            </a:extLst>
+          </p:cNvPr>
+          <p:cNvSpPr txBox="1"/>
+          <p:nvPr/>
+        </p:nvSpPr>
+        <p:spPr>
+          <a:xfrm>
+            <a:off x="1723749" y="701336"/>
+            <a:ext cx="248575" cy="369332"/>
+          </a:xfrm>
+          <a:prstGeom prst="rect">
+            <a:avLst/>
+          </a:prstGeom>
+          <a:noFill/>
+        </p:spPr>
+        <p:txBody>
+          <a:bodyPr wrap="square" rtlCol="0">
+            <a:spAutoFit/>
+          </a:bodyPr>
+          <a:lstStyle/>
+          <a:p>
+            <a:r>
+              <a:rPr lang="en-CA" dirty="0"/>
+              <a:t>1</a:t>
+            </a:r>
+          </a:p>
+        </p:txBody>
+      </p:sp>
+      <p:sp>
+        <p:nvSpPr>
+          <p:cNvPr id="10" name="TextBox 9">
+            <a:extLst>
+              <a:ext uri="{FF2B5EF4-FFF2-40B4-BE49-F238E27FC236}">
+                <a16:creationId xmlns:a16="http://schemas.microsoft.com/office/drawing/2014/main" id="{29D2F569-C59A-4FF7-9654-7A5B48406BB0}"/>
+              </a:ext>
+            </a:extLst>
+          </p:cNvPr>
+          <p:cNvSpPr txBox="1"/>
+          <p:nvPr/>
+        </p:nvSpPr>
+        <p:spPr>
+          <a:xfrm>
+            <a:off x="2618914" y="701336"/>
+            <a:ext cx="248575" cy="369332"/>
+          </a:xfrm>
+          <a:prstGeom prst="rect">
+            <a:avLst/>
+          </a:prstGeom>
+          <a:noFill/>
+        </p:spPr>
+        <p:txBody>
+          <a:bodyPr wrap="square" rtlCol="0">
+            <a:spAutoFit/>
+          </a:bodyPr>
+          <a:lstStyle/>
+          <a:p>
+            <a:r>
+              <a:rPr lang="en-CA" dirty="0"/>
+              <a:t>2</a:t>
+            </a:r>
+          </a:p>
+        </p:txBody>
+      </p:sp>
+      <p:sp>
+        <p:nvSpPr>
+          <p:cNvPr id="11" name="TextBox 10">
+            <a:extLst>
+              <a:ext uri="{FF2B5EF4-FFF2-40B4-BE49-F238E27FC236}">
+                <a16:creationId xmlns:a16="http://schemas.microsoft.com/office/drawing/2014/main" id="{AE852AE1-E692-4A93-828C-9025E5EF10C1}"/>
+              </a:ext>
+            </a:extLst>
+          </p:cNvPr>
+          <p:cNvSpPr txBox="1"/>
+          <p:nvPr/>
+        </p:nvSpPr>
+        <p:spPr>
+          <a:xfrm>
+            <a:off x="8111233" y="701336"/>
+            <a:ext cx="449802" cy="369332"/>
+          </a:xfrm>
+          <a:prstGeom prst="rect">
+            <a:avLst/>
+          </a:prstGeom>
+          <a:noFill/>
+        </p:spPr>
+        <p:txBody>
+          <a:bodyPr wrap="square" rtlCol="0">
+            <a:spAutoFit/>
+          </a:bodyPr>
+          <a:lstStyle/>
+          <a:p>
+            <a:r>
+              <a:rPr lang="en-CA" dirty="0"/>
+              <a:t>25</a:t>
+            </a:r>
+          </a:p>
+        </p:txBody>
+      </p:sp>
+      <p:sp>
+        <p:nvSpPr>
+          <p:cNvPr id="12" name="TextBox 11">
+            <a:extLst>
+              <a:ext uri="{FF2B5EF4-FFF2-40B4-BE49-F238E27FC236}">
+                <a16:creationId xmlns:a16="http://schemas.microsoft.com/office/drawing/2014/main" id="{6C483856-553F-44A0-B790-89DC575B1370}"/>
+              </a:ext>
+            </a:extLst>
+          </p:cNvPr>
+          <p:cNvSpPr txBox="1"/>
+          <p:nvPr/>
+        </p:nvSpPr>
+        <p:spPr>
+          <a:xfrm>
+            <a:off x="6001309" y="701336"/>
+            <a:ext cx="449802" cy="369332"/>
+          </a:xfrm>
+          <a:prstGeom prst="rect">
+            <a:avLst/>
+          </a:prstGeom>
+          <a:noFill/>
+        </p:spPr>
+        <p:txBody>
+          <a:bodyPr wrap="square" rtlCol="0">
+            <a:spAutoFit/>
+          </a:bodyPr>
+          <a:lstStyle/>
+          <a:p>
+            <a:r>
+              <a:rPr lang="en-CA" dirty="0"/>
+              <a:t>15</a:t>
+            </a:r>
+          </a:p>
+        </p:txBody>
+      </p:sp>
+      <p:cxnSp>
+        <p:nvCxnSpPr>
+          <p:cNvPr id="13" name="Straight Arrow Connector 12">
+            <a:extLst>
+              <a:ext uri="{FF2B5EF4-FFF2-40B4-BE49-F238E27FC236}">
+                <a16:creationId xmlns:a16="http://schemas.microsoft.com/office/drawing/2014/main" id="{22485FB6-1D60-4DAA-8B9E-6316A224A64C}"/>
+              </a:ext>
+            </a:extLst>
+          </p:cNvPr>
+          <p:cNvCxnSpPr/>
+          <p:nvPr/>
+        </p:nvCxnSpPr>
+        <p:spPr>
+          <a:xfrm>
+            <a:off x="1732627" y="701336"/>
+            <a:ext cx="0" cy="1080000"/>
+          </a:xfrm>
+          <a:prstGeom prst="straightConnector1">
+            <a:avLst/>
+          </a:prstGeom>
+          <a:ln>
+            <a:tailEnd type="triangle"/>
+          </a:ln>
+        </p:spPr>
+        <p:style>
+          <a:lnRef idx="1">
+            <a:schemeClr val="dk1"/>
+          </a:lnRef>
+          <a:fillRef idx="0">
+            <a:schemeClr val="dk1"/>
+          </a:fillRef>
+          <a:effectRef idx="0">
+            <a:schemeClr val="dk1"/>
+          </a:effectRef>
+          <a:fontRef idx="minor">
+            <a:schemeClr val="tx1"/>
+          </a:fontRef>
+        </p:style>
+      </p:cxnSp>
+      <p:cxnSp>
+        <p:nvCxnSpPr>
+          <p:cNvPr id="14" name="Straight Arrow Connector 13">
+            <a:extLst>
+              <a:ext uri="{FF2B5EF4-FFF2-40B4-BE49-F238E27FC236}">
+                <a16:creationId xmlns:a16="http://schemas.microsoft.com/office/drawing/2014/main" id="{DCB8ED02-5E2C-444A-A9AD-5CD878D8813B}"/>
+              </a:ext>
+            </a:extLst>
+          </p:cNvPr>
+          <p:cNvCxnSpPr/>
+          <p:nvPr/>
+        </p:nvCxnSpPr>
+        <p:spPr>
+          <a:xfrm>
+            <a:off x="2618914" y="701336"/>
+            <a:ext cx="0" cy="1080000"/>
+          </a:xfrm>
+          <a:prstGeom prst="straightConnector1">
+            <a:avLst/>
+          </a:prstGeom>
+          <a:ln>
+            <a:tailEnd type="triangle"/>
+          </a:ln>
+        </p:spPr>
+        <p:style>
+          <a:lnRef idx="1">
+            <a:schemeClr val="dk1"/>
+          </a:lnRef>
+          <a:fillRef idx="0">
+            <a:schemeClr val="dk1"/>
+          </a:fillRef>
+          <a:effectRef idx="0">
+            <a:schemeClr val="dk1"/>
+          </a:effectRef>
+          <a:fontRef idx="minor">
+            <a:schemeClr val="tx1"/>
+          </a:fontRef>
+        </p:style>
+      </p:cxnSp>
+      <p:sp>
+        <p:nvSpPr>
+          <p:cNvPr id="16" name="TextBox 15">
+            <a:extLst>
+              <a:ext uri="{FF2B5EF4-FFF2-40B4-BE49-F238E27FC236}">
+                <a16:creationId xmlns:a16="http://schemas.microsoft.com/office/drawing/2014/main" id="{AE2530B5-D4A9-4231-8578-995C233D90A6}"/>
+              </a:ext>
+            </a:extLst>
+          </p:cNvPr>
+          <p:cNvSpPr txBox="1"/>
+          <p:nvPr/>
+        </p:nvSpPr>
+        <p:spPr>
+          <a:xfrm>
+            <a:off x="4202605" y="701336"/>
+            <a:ext cx="463588" cy="369332"/>
+          </a:xfrm>
+          <a:prstGeom prst="rect">
+            <a:avLst/>
+          </a:prstGeom>
+          <a:noFill/>
+        </p:spPr>
+        <p:txBody>
+          <a:bodyPr wrap="none" rtlCol="0">
+            <a:spAutoFit/>
+          </a:bodyPr>
+          <a:lstStyle/>
+          <a:p>
+            <a:r>
+              <a:rPr lang="en-CA" dirty="0"/>
+              <a:t>. . .</a:t>
+            </a:r>
+          </a:p>
+        </p:txBody>
+      </p:sp>
+      <p:cxnSp>
+        <p:nvCxnSpPr>
+          <p:cNvPr id="17" name="Straight Arrow Connector 16">
+            <a:extLst>
+              <a:ext uri="{FF2B5EF4-FFF2-40B4-BE49-F238E27FC236}">
+                <a16:creationId xmlns:a16="http://schemas.microsoft.com/office/drawing/2014/main" id="{55051E4B-DCDF-4941-866C-9202B5FBFA28}"/>
+              </a:ext>
+            </a:extLst>
+          </p:cNvPr>
+          <p:cNvCxnSpPr/>
+          <p:nvPr/>
+        </p:nvCxnSpPr>
+        <p:spPr>
+          <a:xfrm>
+            <a:off x="6061970" y="701336"/>
+            <a:ext cx="0" cy="2880000"/>
+          </a:xfrm>
+          <a:prstGeom prst="straightConnector1">
+            <a:avLst/>
+          </a:prstGeom>
+          <a:ln>
+            <a:tailEnd type="triangle"/>
+          </a:ln>
+        </p:spPr>
+        <p:style>
+          <a:lnRef idx="1">
+            <a:schemeClr val="dk1"/>
+          </a:lnRef>
+          <a:fillRef idx="0">
+            <a:schemeClr val="dk1"/>
+          </a:fillRef>
+          <a:effectRef idx="0">
+            <a:schemeClr val="dk1"/>
+          </a:effectRef>
+          <a:fontRef idx="minor">
+            <a:schemeClr val="tx1"/>
+          </a:fontRef>
+        </p:style>
+      </p:cxnSp>
+      <p:cxnSp>
+        <p:nvCxnSpPr>
+          <p:cNvPr id="18" name="Straight Arrow Connector 17">
+            <a:extLst>
+              <a:ext uri="{FF2B5EF4-FFF2-40B4-BE49-F238E27FC236}">
+                <a16:creationId xmlns:a16="http://schemas.microsoft.com/office/drawing/2014/main" id="{8536E5C7-44AC-40DA-970C-1989F0962177}"/>
+              </a:ext>
+            </a:extLst>
+          </p:cNvPr>
+          <p:cNvCxnSpPr/>
+          <p:nvPr/>
+        </p:nvCxnSpPr>
+        <p:spPr>
+          <a:xfrm>
+            <a:off x="8111233" y="701336"/>
+            <a:ext cx="0" cy="2880000"/>
+          </a:xfrm>
+          <a:prstGeom prst="straightConnector1">
+            <a:avLst/>
+          </a:prstGeom>
+          <a:ln>
+            <a:tailEnd type="triangle"/>
+          </a:ln>
+        </p:spPr>
+        <p:style>
+          <a:lnRef idx="1">
+            <a:schemeClr val="dk1"/>
+          </a:lnRef>
+          <a:fillRef idx="0">
+            <a:schemeClr val="dk1"/>
+          </a:fillRef>
+          <a:effectRef idx="0">
+            <a:schemeClr val="dk1"/>
+          </a:effectRef>
+          <a:fontRef idx="minor">
+            <a:schemeClr val="tx1"/>
+          </a:fontRef>
+        </p:style>
+      </p:cxnSp>
+      <p:cxnSp>
+        <p:nvCxnSpPr>
+          <p:cNvPr id="19" name="Straight Arrow Connector 18">
+            <a:extLst>
+              <a:ext uri="{FF2B5EF4-FFF2-40B4-BE49-F238E27FC236}">
+                <a16:creationId xmlns:a16="http://schemas.microsoft.com/office/drawing/2014/main" id="{60C0F26B-6656-4CA5-A524-84D42FAEB5EB}"/>
+              </a:ext>
+            </a:extLst>
+          </p:cNvPr>
+          <p:cNvCxnSpPr/>
+          <p:nvPr/>
+        </p:nvCxnSpPr>
+        <p:spPr>
+          <a:xfrm>
+            <a:off x="10221157" y="701336"/>
+            <a:ext cx="0" cy="2880000"/>
+          </a:xfrm>
+          <a:prstGeom prst="straightConnector1">
+            <a:avLst/>
+          </a:prstGeom>
+          <a:ln>
+            <a:tailEnd type="triangle"/>
+          </a:ln>
+        </p:spPr>
+        <p:style>
+          <a:lnRef idx="1">
+            <a:schemeClr val="dk1"/>
+          </a:lnRef>
+          <a:fillRef idx="0">
+            <a:schemeClr val="dk1"/>
+          </a:fillRef>
+          <a:effectRef idx="0">
+            <a:schemeClr val="dk1"/>
+          </a:effectRef>
+          <a:fontRef idx="minor">
+            <a:schemeClr val="tx1"/>
+          </a:fontRef>
+        </p:style>
+      </p:cxnSp>
+      <p:cxnSp>
+        <p:nvCxnSpPr>
+          <p:cNvPr id="20" name="Straight Connector 19">
+            <a:extLst>
+              <a:ext uri="{FF2B5EF4-FFF2-40B4-BE49-F238E27FC236}">
+                <a16:creationId xmlns:a16="http://schemas.microsoft.com/office/drawing/2014/main" id="{17B65D0E-C224-494D-A348-CAEA1BCEB0AF}"/>
+              </a:ext>
+            </a:extLst>
+          </p:cNvPr>
+          <p:cNvCxnSpPr>
+            <a:cxnSpLocks/>
+          </p:cNvCxnSpPr>
+          <p:nvPr/>
+        </p:nvCxnSpPr>
+        <p:spPr>
+          <a:xfrm>
+            <a:off x="6061970" y="3581336"/>
+            <a:ext cx="4608989" cy="0"/>
+          </a:xfrm>
+          <a:prstGeom prst="line">
+            <a:avLst/>
+          </a:prstGeom>
+        </p:spPr>
+        <p:style>
+          <a:lnRef idx="1">
+            <a:schemeClr val="dk1"/>
+          </a:lnRef>
+          <a:fillRef idx="0">
+            <a:schemeClr val="dk1"/>
+          </a:fillRef>
+          <a:effectRef idx="0">
+            <a:schemeClr val="dk1"/>
+          </a:effectRef>
+          <a:fontRef idx="minor">
+            <a:schemeClr val="tx1"/>
+          </a:fontRef>
+        </p:style>
+      </p:cxnSp>
+      <p:cxnSp>
+        <p:nvCxnSpPr>
+          <p:cNvPr id="23" name="Straight Connector 22">
+            <a:extLst>
+              <a:ext uri="{FF2B5EF4-FFF2-40B4-BE49-F238E27FC236}">
+                <a16:creationId xmlns:a16="http://schemas.microsoft.com/office/drawing/2014/main" id="{C7DEB2E5-5488-4053-99DB-268D27157E08}"/>
+              </a:ext>
+            </a:extLst>
+          </p:cNvPr>
+          <p:cNvCxnSpPr>
+            <a:cxnSpLocks/>
+          </p:cNvCxnSpPr>
+          <p:nvPr/>
+        </p:nvCxnSpPr>
+        <p:spPr>
+          <a:xfrm>
+            <a:off x="1723749" y="1781336"/>
+            <a:ext cx="8947210" cy="0"/>
+          </a:xfrm>
+          <a:prstGeom prst="line">
+            <a:avLst/>
+          </a:prstGeom>
+        </p:spPr>
+        <p:style>
+          <a:lnRef idx="1">
+            <a:schemeClr val="dk1"/>
+          </a:lnRef>
+          <a:fillRef idx="0">
+            <a:schemeClr val="dk1"/>
+          </a:fillRef>
+          <a:effectRef idx="0">
+            <a:schemeClr val="dk1"/>
+          </a:effectRef>
+          <a:fontRef idx="minor">
+            <a:schemeClr val="tx1"/>
+          </a:fontRef>
+        </p:style>
+      </p:cxnSp>
+      <p:sp>
+        <p:nvSpPr>
+          <p:cNvPr id="25" name="TextBox 24">
+            <a:extLst>
+              <a:ext uri="{FF2B5EF4-FFF2-40B4-BE49-F238E27FC236}">
+                <a16:creationId xmlns:a16="http://schemas.microsoft.com/office/drawing/2014/main" id="{E33DB392-D647-407D-9503-48540EC67170}"/>
+              </a:ext>
+            </a:extLst>
+          </p:cNvPr>
+          <p:cNvSpPr txBox="1"/>
+          <p:nvPr/>
+        </p:nvSpPr>
+        <p:spPr>
+          <a:xfrm>
+            <a:off x="1165197" y="1956670"/>
+            <a:ext cx="1134859" cy="369332"/>
+          </a:xfrm>
+          <a:prstGeom prst="rect">
+            <a:avLst/>
+          </a:prstGeom>
+          <a:noFill/>
+        </p:spPr>
+        <p:txBody>
+          <a:bodyPr wrap="square" rtlCol="0">
+            <a:spAutoFit/>
+          </a:bodyPr>
+          <a:lstStyle/>
+          <a:p>
+            <a:r>
+              <a:rPr lang="en-CA" dirty="0"/>
+              <a:t>$30,000</a:t>
+            </a:r>
+          </a:p>
+        </p:txBody>
+      </p:sp>
+      <p:sp>
+        <p:nvSpPr>
+          <p:cNvPr id="26" name="TextBox 25">
+            <a:extLst>
+              <a:ext uri="{FF2B5EF4-FFF2-40B4-BE49-F238E27FC236}">
+                <a16:creationId xmlns:a16="http://schemas.microsoft.com/office/drawing/2014/main" id="{2DD99640-10B2-414A-BDD8-A4BA953CA0DF}"/>
+              </a:ext>
+            </a:extLst>
+          </p:cNvPr>
+          <p:cNvSpPr txBox="1"/>
+          <p:nvPr/>
+        </p:nvSpPr>
+        <p:spPr>
+          <a:xfrm>
+            <a:off x="5528570" y="3725599"/>
+            <a:ext cx="1134859" cy="369332"/>
+          </a:xfrm>
+          <a:prstGeom prst="rect">
+            <a:avLst/>
+          </a:prstGeom>
+          <a:noFill/>
+        </p:spPr>
+        <p:txBody>
+          <a:bodyPr wrap="square" rtlCol="0">
+            <a:spAutoFit/>
+          </a:bodyPr>
+          <a:lstStyle/>
+          <a:p>
+            <a:r>
+              <a:rPr lang="en-CA" dirty="0"/>
+              <a:t>$260,000</a:t>
+            </a:r>
+          </a:p>
+        </p:txBody>
+      </p:sp>
+      <p:sp>
+        <p:nvSpPr>
+          <p:cNvPr id="28" name="TextBox 27">
+            <a:extLst>
+              <a:ext uri="{FF2B5EF4-FFF2-40B4-BE49-F238E27FC236}">
+                <a16:creationId xmlns:a16="http://schemas.microsoft.com/office/drawing/2014/main" id="{097680E7-A103-4BF1-8310-AF78962BC21B}"/>
+              </a:ext>
+            </a:extLst>
+          </p:cNvPr>
+          <p:cNvSpPr txBox="1"/>
+          <p:nvPr/>
+        </p:nvSpPr>
+        <p:spPr>
+          <a:xfrm>
+            <a:off x="10679837" y="1587338"/>
+            <a:ext cx="454092" cy="369332"/>
+          </a:xfrm>
+          <a:prstGeom prst="rect">
+            <a:avLst/>
+          </a:prstGeom>
+          <a:noFill/>
+        </p:spPr>
+        <p:txBody>
+          <a:bodyPr wrap="square" rtlCol="0">
+            <a:spAutoFit/>
+          </a:bodyPr>
+          <a:lstStyle/>
+          <a:p>
+            <a:r>
+              <a:rPr lang="en-CA" dirty="0"/>
+              <a:t>∞</a:t>
+            </a:r>
+          </a:p>
+        </p:txBody>
+      </p:sp>
+      <p:sp>
+        <p:nvSpPr>
+          <p:cNvPr id="29" name="TextBox 28">
+            <a:extLst>
+              <a:ext uri="{FF2B5EF4-FFF2-40B4-BE49-F238E27FC236}">
+                <a16:creationId xmlns:a16="http://schemas.microsoft.com/office/drawing/2014/main" id="{A281FAAC-052B-40C4-900B-574C9CE4B078}"/>
+              </a:ext>
+            </a:extLst>
+          </p:cNvPr>
+          <p:cNvSpPr txBox="1"/>
+          <p:nvPr/>
+        </p:nvSpPr>
+        <p:spPr>
+          <a:xfrm>
+            <a:off x="10679837" y="3396670"/>
+            <a:ext cx="454092" cy="369332"/>
+          </a:xfrm>
+          <a:prstGeom prst="rect">
+            <a:avLst/>
+          </a:prstGeom>
+          <a:noFill/>
+        </p:spPr>
+        <p:txBody>
+          <a:bodyPr wrap="square" rtlCol="0">
+            <a:spAutoFit/>
+          </a:bodyPr>
+          <a:lstStyle/>
+          <a:p>
+            <a:r>
+              <a:rPr lang="en-CA" dirty="0"/>
+              <a:t>∞</a:t>
+            </a:r>
+          </a:p>
+        </p:txBody>
+      </p:sp>
+      <p:sp>
+        <p:nvSpPr>
+          <p:cNvPr id="30" name="TextBox 29">
+            <a:extLst>
+              <a:ext uri="{FF2B5EF4-FFF2-40B4-BE49-F238E27FC236}">
+                <a16:creationId xmlns:a16="http://schemas.microsoft.com/office/drawing/2014/main" id="{DE4117F1-0B40-4111-99C2-503C256EFECB}"/>
+              </a:ext>
+            </a:extLst>
+          </p:cNvPr>
+          <p:cNvSpPr txBox="1"/>
+          <p:nvPr/>
+        </p:nvSpPr>
+        <p:spPr>
+          <a:xfrm>
+            <a:off x="7049378" y="687339"/>
+            <a:ext cx="463588" cy="369332"/>
+          </a:xfrm>
+          <a:prstGeom prst="rect">
+            <a:avLst/>
+          </a:prstGeom>
+          <a:noFill/>
+        </p:spPr>
+        <p:txBody>
+          <a:bodyPr wrap="none" rtlCol="0">
+            <a:spAutoFit/>
+          </a:bodyPr>
+          <a:lstStyle/>
+          <a:p>
+            <a:r>
+              <a:rPr lang="en-CA" dirty="0"/>
+              <a:t>. . .</a:t>
+            </a:r>
+          </a:p>
+        </p:txBody>
+      </p:sp>
+      <p:sp>
+        <p:nvSpPr>
+          <p:cNvPr id="31" name="TextBox 30">
+            <a:extLst>
+              <a:ext uri="{FF2B5EF4-FFF2-40B4-BE49-F238E27FC236}">
+                <a16:creationId xmlns:a16="http://schemas.microsoft.com/office/drawing/2014/main" id="{11E48557-FC42-4856-B284-11A9178FF6D2}"/>
+              </a:ext>
+            </a:extLst>
+          </p:cNvPr>
+          <p:cNvSpPr txBox="1"/>
+          <p:nvPr/>
+        </p:nvSpPr>
+        <p:spPr>
+          <a:xfrm>
+            <a:off x="9098640" y="687339"/>
+            <a:ext cx="463588" cy="369332"/>
+          </a:xfrm>
+          <a:prstGeom prst="rect">
+            <a:avLst/>
+          </a:prstGeom>
+          <a:noFill/>
+        </p:spPr>
+        <p:txBody>
+          <a:bodyPr wrap="none" rtlCol="0">
+            <a:spAutoFit/>
+          </a:bodyPr>
+          <a:lstStyle/>
+          <a:p>
+            <a:r>
+              <a:rPr lang="en-CA" dirty="0"/>
+              <a:t>. . .</a:t>
+            </a:r>
+          </a:p>
+        </p:txBody>
+      </p:sp>
+    </p:spTree>
+    <p:extLst>
+      <p:ext uri="{BB962C8B-B14F-4D97-AF65-F5344CB8AC3E}">
+        <p14:creationId xmlns:p14="http://schemas.microsoft.com/office/powerpoint/2010/main" val="2857343443"/>
+      </p:ext>
+    </p:extLst>
+  </p:cSld>
+  <p:clrMapOvr>
+    <a:masterClrMapping/>
+  </p:clrMapOvr>
+</p:sld>
+</file>
+
+<file path=ppt/slides/slide4.xml><?xml version="1.0" encoding="utf-8"?>
+<p:sld xmlns:a="http://schemas.openxmlformats.org/drawingml/2006/main" xmlns:r="http://schemas.openxmlformats.org/officeDocument/2006/relationships" xmlns:p="http://schemas.openxmlformats.org/presentationml/2006/main">
+  <p:cSld>
+    <p:spTree>
+      <p:nvGrpSpPr>
+        <p:cNvPr id="1" name=""/>
+        <p:cNvGrpSpPr/>
+        <p:nvPr/>
+      </p:nvGrpSpPr>
+      <p:grpSpPr>
+        <a:xfrm>
+          <a:off x="0" y="0"/>
+          <a:ext cx="0" cy="0"/>
+          <a:chOff x="0" y="0"/>
+          <a:chExt cx="0" cy="0"/>
+        </a:xfrm>
+      </p:grpSpPr>
+      <p:cxnSp>
+        <p:nvCxnSpPr>
+          <p:cNvPr id="6" name="Straight Arrow Connector 5">
+            <a:extLst>
+              <a:ext uri="{FF2B5EF4-FFF2-40B4-BE49-F238E27FC236}">
+                <a16:creationId xmlns:a16="http://schemas.microsoft.com/office/drawing/2014/main" id="{34980CD5-A09B-4B79-BEBF-A7CE28AC539E}"/>
+              </a:ext>
+            </a:extLst>
+          </p:cNvPr>
+          <p:cNvCxnSpPr/>
+          <p:nvPr/>
+        </p:nvCxnSpPr>
+        <p:spPr>
+          <a:xfrm>
+            <a:off x="710214" y="1014570"/>
+            <a:ext cx="9960745" cy="0"/>
+          </a:xfrm>
+          <a:prstGeom prst="straightConnector1">
+            <a:avLst/>
+          </a:prstGeom>
+          <a:ln>
+            <a:tailEnd type="triangle"/>
+          </a:ln>
+        </p:spPr>
+        <p:style>
+          <a:lnRef idx="1">
+            <a:schemeClr val="dk1"/>
+          </a:lnRef>
+          <a:fillRef idx="0">
+            <a:schemeClr val="dk1"/>
+          </a:fillRef>
+          <a:effectRef idx="0">
+            <a:schemeClr val="dk1"/>
+          </a:effectRef>
+          <a:fontRef idx="minor">
+            <a:schemeClr val="tx1"/>
+          </a:fontRef>
+        </p:style>
+      </p:cxnSp>
+      <p:sp>
+        <p:nvSpPr>
+          <p:cNvPr id="7" name="TextBox 6">
+            <a:extLst>
+              <a:ext uri="{FF2B5EF4-FFF2-40B4-BE49-F238E27FC236}">
+                <a16:creationId xmlns:a16="http://schemas.microsoft.com/office/drawing/2014/main" id="{D7072910-AC24-4487-B2C7-1BC9BC6008B9}"/>
+              </a:ext>
+            </a:extLst>
+          </p:cNvPr>
+          <p:cNvSpPr txBox="1"/>
+          <p:nvPr/>
+        </p:nvSpPr>
+        <p:spPr>
+          <a:xfrm>
+            <a:off x="10750858" y="829904"/>
+            <a:ext cx="248575" cy="369332"/>
+          </a:xfrm>
+          <a:prstGeom prst="rect">
+            <a:avLst/>
+          </a:prstGeom>
+          <a:noFill/>
+        </p:spPr>
+        <p:txBody>
+          <a:bodyPr wrap="square" rtlCol="0">
+            <a:spAutoFit/>
+          </a:bodyPr>
+          <a:lstStyle/>
+          <a:p>
+            <a:r>
+              <a:rPr lang="en-CA" dirty="0"/>
+              <a:t>t</a:t>
+            </a:r>
+          </a:p>
+        </p:txBody>
+      </p:sp>
+      <p:sp>
+        <p:nvSpPr>
+          <p:cNvPr id="8" name="TextBox 7">
+            <a:extLst>
+              <a:ext uri="{FF2B5EF4-FFF2-40B4-BE49-F238E27FC236}">
+                <a16:creationId xmlns:a16="http://schemas.microsoft.com/office/drawing/2014/main" id="{35F9509D-8608-49B9-A7B6-63CC867C8D61}"/>
+              </a:ext>
+            </a:extLst>
+          </p:cNvPr>
+          <p:cNvSpPr txBox="1"/>
+          <p:nvPr/>
+        </p:nvSpPr>
+        <p:spPr>
+          <a:xfrm>
+            <a:off x="827103" y="1014570"/>
+            <a:ext cx="248575" cy="369332"/>
+          </a:xfrm>
+          <a:prstGeom prst="rect">
+            <a:avLst/>
+          </a:prstGeom>
+          <a:noFill/>
+        </p:spPr>
+        <p:txBody>
+          <a:bodyPr wrap="square" rtlCol="0">
+            <a:spAutoFit/>
+          </a:bodyPr>
+          <a:lstStyle/>
+          <a:p>
+            <a:r>
+              <a:rPr lang="en-CA" dirty="0"/>
+              <a:t>0</a:t>
+            </a:r>
+          </a:p>
+        </p:txBody>
+      </p:sp>
+      <p:sp>
+        <p:nvSpPr>
+          <p:cNvPr id="9" name="TextBox 8">
+            <a:extLst>
+              <a:ext uri="{FF2B5EF4-FFF2-40B4-BE49-F238E27FC236}">
+                <a16:creationId xmlns:a16="http://schemas.microsoft.com/office/drawing/2014/main" id="{E90093D7-D620-49BA-B551-0FDEF23B167A}"/>
+              </a:ext>
+            </a:extLst>
+          </p:cNvPr>
+          <p:cNvSpPr txBox="1"/>
+          <p:nvPr/>
+        </p:nvSpPr>
+        <p:spPr>
+          <a:xfrm>
+            <a:off x="10221157" y="1014570"/>
+            <a:ext cx="449802" cy="369332"/>
+          </a:xfrm>
+          <a:prstGeom prst="rect">
+            <a:avLst/>
+          </a:prstGeom>
+          <a:noFill/>
+        </p:spPr>
+        <p:txBody>
+          <a:bodyPr wrap="square" rtlCol="0">
+            <a:spAutoFit/>
+          </a:bodyPr>
+          <a:lstStyle/>
+          <a:p>
+            <a:r>
+              <a:rPr lang="en-CA" dirty="0"/>
+              <a:t>12</a:t>
+            </a:r>
+          </a:p>
+        </p:txBody>
+      </p:sp>
+      <p:sp>
+        <p:nvSpPr>
+          <p:cNvPr id="10" name="TextBox 9">
+            <a:extLst>
+              <a:ext uri="{FF2B5EF4-FFF2-40B4-BE49-F238E27FC236}">
+                <a16:creationId xmlns:a16="http://schemas.microsoft.com/office/drawing/2014/main" id="{9CE3C8D2-0613-4171-AC21-6BC51BA93C15}"/>
+              </a:ext>
+            </a:extLst>
+          </p:cNvPr>
+          <p:cNvSpPr txBox="1"/>
+          <p:nvPr/>
+        </p:nvSpPr>
+        <p:spPr>
+          <a:xfrm>
+            <a:off x="1723749" y="1014570"/>
+            <a:ext cx="248575" cy="369332"/>
+          </a:xfrm>
+          <a:prstGeom prst="rect">
+            <a:avLst/>
+          </a:prstGeom>
+          <a:noFill/>
+        </p:spPr>
+        <p:txBody>
+          <a:bodyPr wrap="square" rtlCol="0">
+            <a:spAutoFit/>
+          </a:bodyPr>
+          <a:lstStyle/>
+          <a:p>
+            <a:r>
+              <a:rPr lang="en-CA" dirty="0"/>
+              <a:t>1</a:t>
+            </a:r>
+          </a:p>
+        </p:txBody>
+      </p:sp>
+      <p:sp>
+        <p:nvSpPr>
+          <p:cNvPr id="11" name="TextBox 10">
+            <a:extLst>
+              <a:ext uri="{FF2B5EF4-FFF2-40B4-BE49-F238E27FC236}">
+                <a16:creationId xmlns:a16="http://schemas.microsoft.com/office/drawing/2014/main" id="{EE06BF28-3CA7-489E-BE8A-675B864A320A}"/>
+              </a:ext>
+            </a:extLst>
+          </p:cNvPr>
+          <p:cNvSpPr txBox="1"/>
+          <p:nvPr/>
+        </p:nvSpPr>
+        <p:spPr>
+          <a:xfrm>
+            <a:off x="2618914" y="1014570"/>
+            <a:ext cx="248575" cy="369332"/>
+          </a:xfrm>
+          <a:prstGeom prst="rect">
+            <a:avLst/>
+          </a:prstGeom>
+          <a:noFill/>
+        </p:spPr>
+        <p:txBody>
+          <a:bodyPr wrap="square" rtlCol="0">
+            <a:spAutoFit/>
+          </a:bodyPr>
+          <a:lstStyle/>
+          <a:p>
+            <a:r>
+              <a:rPr lang="en-CA" dirty="0"/>
+              <a:t>2</a:t>
+            </a:r>
+          </a:p>
+        </p:txBody>
+      </p:sp>
+      <p:sp>
+        <p:nvSpPr>
+          <p:cNvPr id="14" name="TextBox 13">
+            <a:extLst>
+              <a:ext uri="{FF2B5EF4-FFF2-40B4-BE49-F238E27FC236}">
+                <a16:creationId xmlns:a16="http://schemas.microsoft.com/office/drawing/2014/main" id="{3BD77902-185E-40F1-905B-73D8E0D5A9DB}"/>
+              </a:ext>
+            </a:extLst>
+          </p:cNvPr>
+          <p:cNvSpPr txBox="1"/>
+          <p:nvPr/>
+        </p:nvSpPr>
+        <p:spPr>
+          <a:xfrm>
+            <a:off x="6312529" y="1014570"/>
+            <a:ext cx="463588" cy="369332"/>
+          </a:xfrm>
+          <a:prstGeom prst="rect">
+            <a:avLst/>
+          </a:prstGeom>
+          <a:noFill/>
+        </p:spPr>
+        <p:txBody>
+          <a:bodyPr wrap="none" rtlCol="0">
+            <a:spAutoFit/>
+          </a:bodyPr>
+          <a:lstStyle/>
+          <a:p>
+            <a:r>
+              <a:rPr lang="en-CA" dirty="0"/>
+              <a:t>. . .</a:t>
+            </a:r>
+          </a:p>
+        </p:txBody>
+      </p:sp>
+      <p:cxnSp>
+        <p:nvCxnSpPr>
+          <p:cNvPr id="28" name="Straight Arrow Connector 27">
+            <a:extLst>
+              <a:ext uri="{FF2B5EF4-FFF2-40B4-BE49-F238E27FC236}">
+                <a16:creationId xmlns:a16="http://schemas.microsoft.com/office/drawing/2014/main" id="{4FF961FC-FF6B-43EB-9190-E439F7C9A1AE}"/>
+              </a:ext>
+            </a:extLst>
+          </p:cNvPr>
+          <p:cNvCxnSpPr/>
+          <p:nvPr/>
+        </p:nvCxnSpPr>
+        <p:spPr>
+          <a:xfrm>
+            <a:off x="801949" y="4661232"/>
+            <a:ext cx="9960745" cy="0"/>
+          </a:xfrm>
+          <a:prstGeom prst="straightConnector1">
+            <a:avLst/>
+          </a:prstGeom>
+          <a:ln>
+            <a:tailEnd type="triangle"/>
+          </a:ln>
+        </p:spPr>
+        <p:style>
+          <a:lnRef idx="1">
+            <a:schemeClr val="dk1"/>
+          </a:lnRef>
+          <a:fillRef idx="0">
+            <a:schemeClr val="dk1"/>
+          </a:fillRef>
+          <a:effectRef idx="0">
+            <a:schemeClr val="dk1"/>
+          </a:effectRef>
+          <a:fontRef idx="minor">
+            <a:schemeClr val="tx1"/>
+          </a:fontRef>
+        </p:style>
+      </p:cxnSp>
+      <p:sp>
+        <p:nvSpPr>
+          <p:cNvPr id="29" name="TextBox 28">
+            <a:extLst>
+              <a:ext uri="{FF2B5EF4-FFF2-40B4-BE49-F238E27FC236}">
+                <a16:creationId xmlns:a16="http://schemas.microsoft.com/office/drawing/2014/main" id="{99BA1DFC-D8B1-4681-8664-65DCC030F746}"/>
+              </a:ext>
+            </a:extLst>
+          </p:cNvPr>
+          <p:cNvSpPr txBox="1"/>
+          <p:nvPr/>
+        </p:nvSpPr>
+        <p:spPr>
+          <a:xfrm>
+            <a:off x="10842593" y="4476566"/>
+            <a:ext cx="248575" cy="369332"/>
+          </a:xfrm>
+          <a:prstGeom prst="rect">
+            <a:avLst/>
+          </a:prstGeom>
+          <a:noFill/>
+        </p:spPr>
+        <p:txBody>
+          <a:bodyPr wrap="square" rtlCol="0">
+            <a:spAutoFit/>
+          </a:bodyPr>
+          <a:lstStyle/>
+          <a:p>
+            <a:r>
+              <a:rPr lang="en-CA" dirty="0"/>
+              <a:t>t</a:t>
+            </a:r>
+          </a:p>
+        </p:txBody>
+      </p:sp>
+      <p:sp>
+        <p:nvSpPr>
+          <p:cNvPr id="30" name="TextBox 29">
+            <a:extLst>
+              <a:ext uri="{FF2B5EF4-FFF2-40B4-BE49-F238E27FC236}">
+                <a16:creationId xmlns:a16="http://schemas.microsoft.com/office/drawing/2014/main" id="{F4930148-BA8C-4767-9C05-CCB62BA9B0CD}"/>
+              </a:ext>
+            </a:extLst>
+          </p:cNvPr>
+          <p:cNvSpPr txBox="1"/>
+          <p:nvPr/>
+        </p:nvSpPr>
+        <p:spPr>
+          <a:xfrm>
+            <a:off x="918838" y="4661232"/>
+            <a:ext cx="248575" cy="369332"/>
+          </a:xfrm>
+          <a:prstGeom prst="rect">
+            <a:avLst/>
+          </a:prstGeom>
+          <a:noFill/>
+        </p:spPr>
+        <p:txBody>
+          <a:bodyPr wrap="square" rtlCol="0">
+            <a:spAutoFit/>
+          </a:bodyPr>
+          <a:lstStyle/>
+          <a:p>
+            <a:r>
+              <a:rPr lang="en-CA" dirty="0"/>
+              <a:t>0</a:t>
+            </a:r>
+          </a:p>
+        </p:txBody>
+      </p:sp>
+      <p:sp>
+        <p:nvSpPr>
+          <p:cNvPr id="31" name="TextBox 30">
+            <a:extLst>
+              <a:ext uri="{FF2B5EF4-FFF2-40B4-BE49-F238E27FC236}">
+                <a16:creationId xmlns:a16="http://schemas.microsoft.com/office/drawing/2014/main" id="{EAA2AEBE-B8E6-4CA6-A70F-35351352A1F1}"/>
+              </a:ext>
+            </a:extLst>
+          </p:cNvPr>
+          <p:cNvSpPr txBox="1"/>
+          <p:nvPr/>
+        </p:nvSpPr>
+        <p:spPr>
+          <a:xfrm>
+            <a:off x="10312892" y="4661232"/>
+            <a:ext cx="449802" cy="369332"/>
+          </a:xfrm>
+          <a:prstGeom prst="rect">
+            <a:avLst/>
+          </a:prstGeom>
+          <a:noFill/>
+        </p:spPr>
+        <p:txBody>
+          <a:bodyPr wrap="square" rtlCol="0">
+            <a:spAutoFit/>
+          </a:bodyPr>
+          <a:lstStyle/>
+          <a:p>
+            <a:r>
+              <a:rPr lang="en-CA" dirty="0"/>
+              <a:t>12</a:t>
+            </a:r>
+          </a:p>
+        </p:txBody>
+      </p:sp>
+      <p:sp>
+        <p:nvSpPr>
+          <p:cNvPr id="32" name="TextBox 31">
+            <a:extLst>
+              <a:ext uri="{FF2B5EF4-FFF2-40B4-BE49-F238E27FC236}">
+                <a16:creationId xmlns:a16="http://schemas.microsoft.com/office/drawing/2014/main" id="{B845C846-812B-4EC2-BEC7-62538A73C509}"/>
+              </a:ext>
+            </a:extLst>
+          </p:cNvPr>
+          <p:cNvSpPr txBox="1"/>
+          <p:nvPr/>
+        </p:nvSpPr>
+        <p:spPr>
+          <a:xfrm>
+            <a:off x="1815484" y="4661232"/>
+            <a:ext cx="248575" cy="369332"/>
+          </a:xfrm>
+          <a:prstGeom prst="rect">
+            <a:avLst/>
+          </a:prstGeom>
+          <a:noFill/>
+        </p:spPr>
+        <p:txBody>
+          <a:bodyPr wrap="square" rtlCol="0">
+            <a:spAutoFit/>
+          </a:bodyPr>
+          <a:lstStyle/>
+          <a:p>
+            <a:r>
+              <a:rPr lang="en-CA" dirty="0"/>
+              <a:t>1</a:t>
+            </a:r>
+          </a:p>
+        </p:txBody>
+      </p:sp>
+      <p:sp>
+        <p:nvSpPr>
+          <p:cNvPr id="33" name="TextBox 32">
+            <a:extLst>
+              <a:ext uri="{FF2B5EF4-FFF2-40B4-BE49-F238E27FC236}">
+                <a16:creationId xmlns:a16="http://schemas.microsoft.com/office/drawing/2014/main" id="{34F38054-AE86-4CCD-856C-62B3ECDF2B37}"/>
+              </a:ext>
+            </a:extLst>
+          </p:cNvPr>
+          <p:cNvSpPr txBox="1"/>
+          <p:nvPr/>
+        </p:nvSpPr>
+        <p:spPr>
+          <a:xfrm>
+            <a:off x="2710649" y="4661232"/>
+            <a:ext cx="248575" cy="369332"/>
+          </a:xfrm>
+          <a:prstGeom prst="rect">
+            <a:avLst/>
+          </a:prstGeom>
+          <a:noFill/>
+        </p:spPr>
+        <p:txBody>
+          <a:bodyPr wrap="square" rtlCol="0">
+            <a:spAutoFit/>
+          </a:bodyPr>
+          <a:lstStyle/>
+          <a:p>
+            <a:r>
+              <a:rPr lang="en-CA" dirty="0"/>
+              <a:t>2</a:t>
+            </a:r>
+          </a:p>
+        </p:txBody>
+      </p:sp>
+      <p:sp>
+        <p:nvSpPr>
+          <p:cNvPr id="34" name="TextBox 33">
+            <a:extLst>
+              <a:ext uri="{FF2B5EF4-FFF2-40B4-BE49-F238E27FC236}">
+                <a16:creationId xmlns:a16="http://schemas.microsoft.com/office/drawing/2014/main" id="{9D13FCD7-A698-447E-9714-7FB6AAD90032}"/>
+              </a:ext>
+            </a:extLst>
+          </p:cNvPr>
+          <p:cNvSpPr txBox="1"/>
+          <p:nvPr/>
+        </p:nvSpPr>
+        <p:spPr>
+          <a:xfrm>
+            <a:off x="6404264" y="4661232"/>
+            <a:ext cx="463588" cy="369332"/>
+          </a:xfrm>
+          <a:prstGeom prst="rect">
+            <a:avLst/>
+          </a:prstGeom>
+          <a:noFill/>
+        </p:spPr>
+        <p:txBody>
+          <a:bodyPr wrap="none" rtlCol="0">
+            <a:spAutoFit/>
+          </a:bodyPr>
+          <a:lstStyle/>
+          <a:p>
+            <a:r>
+              <a:rPr lang="en-CA" dirty="0"/>
+              <a:t>. . .</a:t>
+            </a:r>
+          </a:p>
+        </p:txBody>
+      </p:sp>
+      <p:cxnSp>
+        <p:nvCxnSpPr>
+          <p:cNvPr id="35" name="Straight Arrow Connector 34">
+            <a:extLst>
+              <a:ext uri="{FF2B5EF4-FFF2-40B4-BE49-F238E27FC236}">
+                <a16:creationId xmlns:a16="http://schemas.microsoft.com/office/drawing/2014/main" id="{CC193256-146C-492B-AB54-3B4AF1A2D14A}"/>
+              </a:ext>
+            </a:extLst>
+          </p:cNvPr>
+          <p:cNvCxnSpPr>
+            <a:cxnSpLocks/>
+          </p:cNvCxnSpPr>
+          <p:nvPr/>
+        </p:nvCxnSpPr>
+        <p:spPr>
+          <a:xfrm flipV="1">
+            <a:off x="827103" y="2861232"/>
+            <a:ext cx="0" cy="1800000"/>
+          </a:xfrm>
+          <a:prstGeom prst="straightConnector1">
+            <a:avLst/>
+          </a:prstGeom>
+          <a:ln>
+            <a:tailEnd type="triangle"/>
+          </a:ln>
+        </p:spPr>
+        <p:style>
+          <a:lnRef idx="1">
+            <a:schemeClr val="dk1"/>
+          </a:lnRef>
+          <a:fillRef idx="0">
+            <a:schemeClr val="dk1"/>
+          </a:fillRef>
+          <a:effectRef idx="0">
+            <a:schemeClr val="dk1"/>
+          </a:effectRef>
+          <a:fontRef idx="minor">
+            <a:schemeClr val="tx1"/>
+          </a:fontRef>
+        </p:style>
+      </p:cxnSp>
+      <p:cxnSp>
+        <p:nvCxnSpPr>
+          <p:cNvPr id="36" name="Straight Arrow Connector 35">
+            <a:extLst>
+              <a:ext uri="{FF2B5EF4-FFF2-40B4-BE49-F238E27FC236}">
+                <a16:creationId xmlns:a16="http://schemas.microsoft.com/office/drawing/2014/main" id="{C54FDD9D-61FB-4DA8-81E5-164F00F8D3B6}"/>
+              </a:ext>
+            </a:extLst>
+          </p:cNvPr>
+          <p:cNvCxnSpPr/>
+          <p:nvPr/>
+        </p:nvCxnSpPr>
+        <p:spPr>
+          <a:xfrm>
+            <a:off x="1840638" y="4661232"/>
+            <a:ext cx="0" cy="720000"/>
+          </a:xfrm>
+          <a:prstGeom prst="straightConnector1">
+            <a:avLst/>
+          </a:prstGeom>
+          <a:ln>
+            <a:tailEnd type="triangle"/>
+          </a:ln>
+        </p:spPr>
+        <p:style>
+          <a:lnRef idx="1">
+            <a:schemeClr val="dk1"/>
+          </a:lnRef>
+          <a:fillRef idx="0">
+            <a:schemeClr val="dk1"/>
+          </a:fillRef>
+          <a:effectRef idx="0">
+            <a:schemeClr val="dk1"/>
+          </a:effectRef>
+          <a:fontRef idx="minor">
+            <a:schemeClr val="tx1"/>
+          </a:fontRef>
+        </p:style>
+      </p:cxnSp>
+      <p:cxnSp>
+        <p:nvCxnSpPr>
+          <p:cNvPr id="37" name="Straight Arrow Connector 36">
+            <a:extLst>
+              <a:ext uri="{FF2B5EF4-FFF2-40B4-BE49-F238E27FC236}">
+                <a16:creationId xmlns:a16="http://schemas.microsoft.com/office/drawing/2014/main" id="{191A8638-53E2-40D7-A3CC-F43F6B932CD8}"/>
+              </a:ext>
+            </a:extLst>
+          </p:cNvPr>
+          <p:cNvCxnSpPr/>
+          <p:nvPr/>
+        </p:nvCxnSpPr>
+        <p:spPr>
+          <a:xfrm>
+            <a:off x="2710649" y="4661232"/>
+            <a:ext cx="0" cy="720000"/>
+          </a:xfrm>
+          <a:prstGeom prst="straightConnector1">
+            <a:avLst/>
+          </a:prstGeom>
+          <a:ln>
+            <a:tailEnd type="triangle"/>
+          </a:ln>
+        </p:spPr>
+        <p:style>
+          <a:lnRef idx="1">
+            <a:schemeClr val="dk1"/>
+          </a:lnRef>
+          <a:fillRef idx="0">
+            <a:schemeClr val="dk1"/>
+          </a:fillRef>
+          <a:effectRef idx="0">
+            <a:schemeClr val="dk1"/>
+          </a:effectRef>
+          <a:fontRef idx="minor">
+            <a:schemeClr val="tx1"/>
+          </a:fontRef>
+        </p:style>
+      </p:cxnSp>
+      <p:cxnSp>
+        <p:nvCxnSpPr>
+          <p:cNvPr id="38" name="Straight Arrow Connector 37">
+            <a:extLst>
+              <a:ext uri="{FF2B5EF4-FFF2-40B4-BE49-F238E27FC236}">
+                <a16:creationId xmlns:a16="http://schemas.microsoft.com/office/drawing/2014/main" id="{45058334-41B2-4538-8471-1E2822070D1A}"/>
+              </a:ext>
+            </a:extLst>
+          </p:cNvPr>
+          <p:cNvCxnSpPr/>
+          <p:nvPr/>
+        </p:nvCxnSpPr>
+        <p:spPr>
+          <a:xfrm>
+            <a:off x="10312892" y="4661232"/>
+            <a:ext cx="0" cy="720000"/>
+          </a:xfrm>
+          <a:prstGeom prst="straightConnector1">
+            <a:avLst/>
+          </a:prstGeom>
+          <a:ln>
+            <a:tailEnd type="triangle"/>
+          </a:ln>
+        </p:spPr>
+        <p:style>
+          <a:lnRef idx="1">
+            <a:schemeClr val="dk1"/>
+          </a:lnRef>
+          <a:fillRef idx="0">
+            <a:schemeClr val="dk1"/>
+          </a:fillRef>
+          <a:effectRef idx="0">
+            <a:schemeClr val="dk1"/>
+          </a:effectRef>
+          <a:fontRef idx="minor">
+            <a:schemeClr val="tx1"/>
+          </a:fontRef>
+        </p:style>
+      </p:cxnSp>
+      <p:sp>
+        <p:nvSpPr>
+          <p:cNvPr id="39" name="TextBox 38">
+            <a:extLst>
+              <a:ext uri="{FF2B5EF4-FFF2-40B4-BE49-F238E27FC236}">
+                <a16:creationId xmlns:a16="http://schemas.microsoft.com/office/drawing/2014/main" id="{63E07C31-FD3D-438A-97E4-8FE4EA48C364}"/>
+              </a:ext>
+            </a:extLst>
+          </p:cNvPr>
+          <p:cNvSpPr txBox="1"/>
+          <p:nvPr/>
+        </p:nvSpPr>
+        <p:spPr>
+          <a:xfrm>
+            <a:off x="735368" y="460572"/>
+            <a:ext cx="1001172" cy="369332"/>
+          </a:xfrm>
+          <a:prstGeom prst="rect">
+            <a:avLst/>
+          </a:prstGeom>
+          <a:noFill/>
+        </p:spPr>
+        <p:txBody>
+          <a:bodyPr wrap="none" rtlCol="0">
+            <a:spAutoFit/>
+          </a:bodyPr>
+          <a:lstStyle/>
+          <a:p>
+            <a:r>
+              <a:rPr lang="en-CA" dirty="0"/>
+              <a:t>Option 1</a:t>
+            </a:r>
+          </a:p>
+        </p:txBody>
+      </p:sp>
+      <p:sp>
+        <p:nvSpPr>
+          <p:cNvPr id="40" name="TextBox 39">
+            <a:extLst>
+              <a:ext uri="{FF2B5EF4-FFF2-40B4-BE49-F238E27FC236}">
+                <a16:creationId xmlns:a16="http://schemas.microsoft.com/office/drawing/2014/main" id="{720B97B5-5A90-4054-B356-33086F893B8C}"/>
+              </a:ext>
+            </a:extLst>
+          </p:cNvPr>
+          <p:cNvSpPr txBox="1"/>
+          <p:nvPr/>
+        </p:nvSpPr>
+        <p:spPr>
+          <a:xfrm>
+            <a:off x="735368" y="1937902"/>
+            <a:ext cx="1001172" cy="369332"/>
+          </a:xfrm>
+          <a:prstGeom prst="rect">
+            <a:avLst/>
+          </a:prstGeom>
+          <a:noFill/>
+        </p:spPr>
+        <p:txBody>
+          <a:bodyPr wrap="none" rtlCol="0">
+            <a:spAutoFit/>
+          </a:bodyPr>
+          <a:lstStyle/>
+          <a:p>
+            <a:r>
+              <a:rPr lang="en-CA" dirty="0"/>
+              <a:t>Option 2</a:t>
+            </a:r>
+          </a:p>
+        </p:txBody>
+      </p:sp>
+      <p:sp>
+        <p:nvSpPr>
+          <p:cNvPr id="41" name="TextBox 40">
+            <a:extLst>
+              <a:ext uri="{FF2B5EF4-FFF2-40B4-BE49-F238E27FC236}">
+                <a16:creationId xmlns:a16="http://schemas.microsoft.com/office/drawing/2014/main" id="{5DF81337-0F46-4465-B1B7-778B9F5C8329}"/>
+              </a:ext>
+            </a:extLst>
+          </p:cNvPr>
+          <p:cNvSpPr txBox="1"/>
+          <p:nvPr/>
+        </p:nvSpPr>
+        <p:spPr>
+          <a:xfrm>
+            <a:off x="734389" y="2399567"/>
+            <a:ext cx="866048" cy="369332"/>
+          </a:xfrm>
+          <a:prstGeom prst="rect">
+            <a:avLst/>
+          </a:prstGeom>
+          <a:noFill/>
+        </p:spPr>
+        <p:txBody>
+          <a:bodyPr wrap="square" rtlCol="0">
+            <a:spAutoFit/>
+          </a:bodyPr>
+          <a:lstStyle/>
+          <a:p>
+            <a:r>
+              <a:rPr lang="en-CA" dirty="0"/>
+              <a:t>$1,000</a:t>
+            </a:r>
+          </a:p>
+        </p:txBody>
+      </p:sp>
+      <p:sp>
+        <p:nvSpPr>
+          <p:cNvPr id="42" name="TextBox 41">
+            <a:extLst>
+              <a:ext uri="{FF2B5EF4-FFF2-40B4-BE49-F238E27FC236}">
+                <a16:creationId xmlns:a16="http://schemas.microsoft.com/office/drawing/2014/main" id="{F81F4C6B-C2C6-4EC7-B7D9-2C4D5F9BDC0E}"/>
+              </a:ext>
+            </a:extLst>
+          </p:cNvPr>
+          <p:cNvSpPr txBox="1"/>
+          <p:nvPr/>
+        </p:nvSpPr>
+        <p:spPr>
+          <a:xfrm>
+            <a:off x="1487262" y="5474098"/>
+            <a:ext cx="656444" cy="369332"/>
+          </a:xfrm>
+          <a:prstGeom prst="rect">
+            <a:avLst/>
+          </a:prstGeom>
+          <a:noFill/>
+        </p:spPr>
+        <p:txBody>
+          <a:bodyPr wrap="square" rtlCol="0">
+            <a:spAutoFit/>
+          </a:bodyPr>
+          <a:lstStyle/>
+          <a:p>
+            <a:r>
+              <a:rPr lang="en-CA" dirty="0"/>
+              <a:t>$100</a:t>
+            </a:r>
+          </a:p>
+        </p:txBody>
+      </p:sp>
+      <p:cxnSp>
+        <p:nvCxnSpPr>
+          <p:cNvPr id="43" name="Straight Connector 42">
+            <a:extLst>
+              <a:ext uri="{FF2B5EF4-FFF2-40B4-BE49-F238E27FC236}">
+                <a16:creationId xmlns:a16="http://schemas.microsoft.com/office/drawing/2014/main" id="{1690E20D-529B-4946-9348-AA89D8B30933}"/>
+              </a:ext>
+            </a:extLst>
+          </p:cNvPr>
+          <p:cNvCxnSpPr>
+            <a:cxnSpLocks/>
+          </p:cNvCxnSpPr>
+          <p:nvPr/>
+        </p:nvCxnSpPr>
+        <p:spPr>
+          <a:xfrm>
+            <a:off x="1840638" y="5381232"/>
+            <a:ext cx="8472254" cy="0"/>
+          </a:xfrm>
+          <a:prstGeom prst="line">
+            <a:avLst/>
+          </a:prstGeom>
+        </p:spPr>
+        <p:style>
+          <a:lnRef idx="1">
+            <a:schemeClr val="dk1"/>
+          </a:lnRef>
+          <a:fillRef idx="0">
+            <a:schemeClr val="dk1"/>
+          </a:fillRef>
+          <a:effectRef idx="0">
+            <a:schemeClr val="dk1"/>
+          </a:effectRef>
+          <a:fontRef idx="minor">
+            <a:schemeClr val="tx1"/>
+          </a:fontRef>
+        </p:style>
+      </p:cxnSp>
+    </p:spTree>
+    <p:extLst>
+      <p:ext uri="{BB962C8B-B14F-4D97-AF65-F5344CB8AC3E}">
+        <p14:creationId xmlns:p14="http://schemas.microsoft.com/office/powerpoint/2010/main" val="3222873693"/>
+      </p:ext>
+    </p:extLst>
+  </p:cSld>
+  <p:clrMapOvr>
+    <a:masterClrMapping/>
+  </p:clrMapOvr>
+</p:sld>
+</file>
+
+<file path=ppt/slides/slide5.xml><?xml version="1.0" encoding="utf-8"?>
+<p:sld xmlns:a="http://schemas.openxmlformats.org/drawingml/2006/main" xmlns:r="http://schemas.openxmlformats.org/officeDocument/2006/relationships" xmlns:p="http://schemas.openxmlformats.org/presentationml/2006/main">
+  <p:cSld>
+    <p:spTree>
+      <p:nvGrpSpPr>
+        <p:cNvPr id="1" name=""/>
+        <p:cNvGrpSpPr/>
+        <p:nvPr/>
+      </p:nvGrpSpPr>
+      <p:grpSpPr>
+        <a:xfrm>
+          <a:off x="0" y="0"/>
+          <a:ext cx="0" cy="0"/>
+          <a:chOff x="0" y="0"/>
+          <a:chExt cx="0" cy="0"/>
+        </a:xfrm>
+      </p:grpSpPr>
+      <p:cxnSp>
+        <p:nvCxnSpPr>
+          <p:cNvPr id="5" name="Straight Arrow Connector 4">
+            <a:extLst>
+              <a:ext uri="{FF2B5EF4-FFF2-40B4-BE49-F238E27FC236}">
+                <a16:creationId xmlns:a16="http://schemas.microsoft.com/office/drawing/2014/main" id="{B4612F16-AB1A-4D80-B7E0-A1AC4C2C325C}"/>
+              </a:ext>
+            </a:extLst>
+          </p:cNvPr>
+          <p:cNvCxnSpPr/>
+          <p:nvPr/>
+        </p:nvCxnSpPr>
+        <p:spPr>
+          <a:xfrm>
+            <a:off x="976544" y="2088768"/>
+            <a:ext cx="9960745" cy="0"/>
+          </a:xfrm>
+          <a:prstGeom prst="straightConnector1">
+            <a:avLst/>
+          </a:prstGeom>
+          <a:ln>
+            <a:tailEnd type="triangle"/>
+          </a:ln>
+        </p:spPr>
+        <p:style>
+          <a:lnRef idx="1">
+            <a:schemeClr val="dk1"/>
+          </a:lnRef>
+          <a:fillRef idx="0">
+            <a:schemeClr val="dk1"/>
+          </a:fillRef>
+          <a:effectRef idx="0">
+            <a:schemeClr val="dk1"/>
+          </a:effectRef>
+          <a:fontRef idx="minor">
+            <a:schemeClr val="tx1"/>
+          </a:fontRef>
+        </p:style>
+      </p:cxnSp>
+      <p:sp>
+        <p:nvSpPr>
+          <p:cNvPr id="6" name="TextBox 5">
+            <a:extLst>
+              <a:ext uri="{FF2B5EF4-FFF2-40B4-BE49-F238E27FC236}">
+                <a16:creationId xmlns:a16="http://schemas.microsoft.com/office/drawing/2014/main" id="{6773AC0E-4795-41C7-AF6F-B19836C07B0D}"/>
+              </a:ext>
+            </a:extLst>
+          </p:cNvPr>
+          <p:cNvSpPr txBox="1"/>
+          <p:nvPr/>
+        </p:nvSpPr>
+        <p:spPr>
+          <a:xfrm>
+            <a:off x="11017188" y="1904102"/>
+            <a:ext cx="248575" cy="369332"/>
+          </a:xfrm>
+          <a:prstGeom prst="rect">
+            <a:avLst/>
+          </a:prstGeom>
+          <a:noFill/>
+        </p:spPr>
+        <p:txBody>
+          <a:bodyPr wrap="square" rtlCol="0">
+            <a:spAutoFit/>
+          </a:bodyPr>
+          <a:lstStyle/>
+          <a:p>
+            <a:r>
+              <a:rPr lang="en-CA" dirty="0"/>
+              <a:t>t</a:t>
+            </a:r>
+          </a:p>
+        </p:txBody>
+      </p:sp>
+      <p:sp>
+        <p:nvSpPr>
+          <p:cNvPr id="7" name="TextBox 6">
+            <a:extLst>
+              <a:ext uri="{FF2B5EF4-FFF2-40B4-BE49-F238E27FC236}">
+                <a16:creationId xmlns:a16="http://schemas.microsoft.com/office/drawing/2014/main" id="{273B2E74-1CA2-45A2-82B0-E8F724D326CD}"/>
+              </a:ext>
+            </a:extLst>
+          </p:cNvPr>
+          <p:cNvSpPr txBox="1"/>
+          <p:nvPr/>
+        </p:nvSpPr>
+        <p:spPr>
+          <a:xfrm>
+            <a:off x="1093433" y="2088768"/>
+            <a:ext cx="248575" cy="369332"/>
+          </a:xfrm>
+          <a:prstGeom prst="rect">
+            <a:avLst/>
+          </a:prstGeom>
+          <a:noFill/>
+        </p:spPr>
+        <p:txBody>
+          <a:bodyPr wrap="square" rtlCol="0">
+            <a:spAutoFit/>
+          </a:bodyPr>
+          <a:lstStyle/>
+          <a:p>
+            <a:r>
+              <a:rPr lang="en-CA" dirty="0"/>
+              <a:t>0</a:t>
+            </a:r>
+          </a:p>
+        </p:txBody>
+      </p:sp>
+      <p:sp>
+        <p:nvSpPr>
+          <p:cNvPr id="8" name="TextBox 7">
+            <a:extLst>
+              <a:ext uri="{FF2B5EF4-FFF2-40B4-BE49-F238E27FC236}">
+                <a16:creationId xmlns:a16="http://schemas.microsoft.com/office/drawing/2014/main" id="{0E175CE4-080D-41E1-AB0F-416BB562E17F}"/>
+              </a:ext>
+            </a:extLst>
+          </p:cNvPr>
+          <p:cNvSpPr txBox="1"/>
+          <p:nvPr/>
+        </p:nvSpPr>
+        <p:spPr>
+          <a:xfrm>
+            <a:off x="10487487" y="2088768"/>
+            <a:ext cx="247094" cy="369332"/>
+          </a:xfrm>
+          <a:prstGeom prst="rect">
+            <a:avLst/>
+          </a:prstGeom>
+          <a:noFill/>
+        </p:spPr>
+        <p:txBody>
+          <a:bodyPr wrap="square" rtlCol="0">
+            <a:spAutoFit/>
+          </a:bodyPr>
+          <a:lstStyle/>
+          <a:p>
+            <a:r>
+              <a:rPr lang="en-CA" dirty="0"/>
+              <a:t>9</a:t>
+            </a:r>
+          </a:p>
+        </p:txBody>
+      </p:sp>
+      <p:sp>
+        <p:nvSpPr>
+          <p:cNvPr id="12" name="TextBox 11">
+            <a:extLst>
+              <a:ext uri="{FF2B5EF4-FFF2-40B4-BE49-F238E27FC236}">
+                <a16:creationId xmlns:a16="http://schemas.microsoft.com/office/drawing/2014/main" id="{067AC38C-7471-4517-8296-B87C7AAFDE29}"/>
+              </a:ext>
+            </a:extLst>
+          </p:cNvPr>
+          <p:cNvSpPr txBox="1"/>
+          <p:nvPr/>
+        </p:nvSpPr>
+        <p:spPr>
+          <a:xfrm>
+            <a:off x="2336031" y="2088768"/>
+            <a:ext cx="248575" cy="369332"/>
+          </a:xfrm>
+          <a:prstGeom prst="rect">
+            <a:avLst/>
+          </a:prstGeom>
+          <a:noFill/>
+        </p:spPr>
+        <p:txBody>
+          <a:bodyPr wrap="square" rtlCol="0">
+            <a:spAutoFit/>
+          </a:bodyPr>
+          <a:lstStyle/>
+          <a:p>
+            <a:r>
+              <a:rPr lang="en-CA" dirty="0"/>
+              <a:t>1</a:t>
+            </a:r>
+          </a:p>
+        </p:txBody>
+      </p:sp>
+      <p:sp>
+        <p:nvSpPr>
+          <p:cNvPr id="13" name="TextBox 12">
+            <a:extLst>
+              <a:ext uri="{FF2B5EF4-FFF2-40B4-BE49-F238E27FC236}">
+                <a16:creationId xmlns:a16="http://schemas.microsoft.com/office/drawing/2014/main" id="{67568366-5E20-4A0F-AA4D-3C6078FFA217}"/>
+              </a:ext>
+            </a:extLst>
+          </p:cNvPr>
+          <p:cNvSpPr txBox="1"/>
+          <p:nvPr/>
+        </p:nvSpPr>
+        <p:spPr>
+          <a:xfrm>
+            <a:off x="3574011" y="2070400"/>
+            <a:ext cx="248575" cy="369332"/>
+          </a:xfrm>
+          <a:prstGeom prst="rect">
+            <a:avLst/>
+          </a:prstGeom>
+          <a:noFill/>
+        </p:spPr>
+        <p:txBody>
+          <a:bodyPr wrap="square" rtlCol="0">
+            <a:spAutoFit/>
+          </a:bodyPr>
+          <a:lstStyle/>
+          <a:p>
+            <a:r>
+              <a:rPr lang="en-CA" dirty="0"/>
+              <a:t>2</a:t>
+            </a:r>
+          </a:p>
+        </p:txBody>
+      </p:sp>
+      <p:sp>
+        <p:nvSpPr>
+          <p:cNvPr id="14" name="TextBox 13">
+            <a:extLst>
+              <a:ext uri="{FF2B5EF4-FFF2-40B4-BE49-F238E27FC236}">
+                <a16:creationId xmlns:a16="http://schemas.microsoft.com/office/drawing/2014/main" id="{0C9C1FE3-F80C-4A02-9BFF-8E7E133B67A8}"/>
+              </a:ext>
+            </a:extLst>
+          </p:cNvPr>
+          <p:cNvSpPr txBox="1"/>
+          <p:nvPr/>
+        </p:nvSpPr>
+        <p:spPr>
+          <a:xfrm>
+            <a:off x="4811991" y="2070400"/>
+            <a:ext cx="248575" cy="369332"/>
+          </a:xfrm>
+          <a:prstGeom prst="rect">
+            <a:avLst/>
+          </a:prstGeom>
+          <a:noFill/>
+        </p:spPr>
+        <p:txBody>
+          <a:bodyPr wrap="square" rtlCol="0">
+            <a:spAutoFit/>
+          </a:bodyPr>
+          <a:lstStyle/>
+          <a:p>
+            <a:r>
+              <a:rPr lang="en-CA" dirty="0"/>
+              <a:t>3</a:t>
+            </a:r>
+          </a:p>
+        </p:txBody>
+      </p:sp>
+      <p:sp>
+        <p:nvSpPr>
+          <p:cNvPr id="15" name="TextBox 14">
+            <a:extLst>
+              <a:ext uri="{FF2B5EF4-FFF2-40B4-BE49-F238E27FC236}">
+                <a16:creationId xmlns:a16="http://schemas.microsoft.com/office/drawing/2014/main" id="{3F303DA4-9A41-4F81-B419-BEBDB45179D1}"/>
+              </a:ext>
+            </a:extLst>
+          </p:cNvPr>
+          <p:cNvSpPr txBox="1"/>
+          <p:nvPr/>
+        </p:nvSpPr>
+        <p:spPr>
+          <a:xfrm>
+            <a:off x="6049971" y="2070400"/>
+            <a:ext cx="248575" cy="369332"/>
+          </a:xfrm>
+          <a:prstGeom prst="rect">
+            <a:avLst/>
+          </a:prstGeom>
+          <a:noFill/>
+        </p:spPr>
+        <p:txBody>
+          <a:bodyPr wrap="square" rtlCol="0">
+            <a:spAutoFit/>
+          </a:bodyPr>
+          <a:lstStyle/>
+          <a:p>
+            <a:r>
+              <a:rPr lang="en-CA" dirty="0"/>
+              <a:t>4</a:t>
+            </a:r>
+          </a:p>
+        </p:txBody>
+      </p:sp>
+      <p:sp>
+        <p:nvSpPr>
+          <p:cNvPr id="16" name="TextBox 15">
+            <a:extLst>
+              <a:ext uri="{FF2B5EF4-FFF2-40B4-BE49-F238E27FC236}">
+                <a16:creationId xmlns:a16="http://schemas.microsoft.com/office/drawing/2014/main" id="{8DFE510A-2C89-44E8-8BC7-4B875A7F98B3}"/>
+              </a:ext>
+            </a:extLst>
+          </p:cNvPr>
+          <p:cNvSpPr txBox="1"/>
+          <p:nvPr/>
+        </p:nvSpPr>
+        <p:spPr>
+          <a:xfrm>
+            <a:off x="7041192" y="2070400"/>
+            <a:ext cx="248575" cy="369332"/>
+          </a:xfrm>
+          <a:prstGeom prst="rect">
+            <a:avLst/>
+          </a:prstGeom>
+          <a:noFill/>
+        </p:spPr>
+        <p:txBody>
+          <a:bodyPr wrap="square" rtlCol="0">
+            <a:spAutoFit/>
+          </a:bodyPr>
+          <a:lstStyle/>
+          <a:p>
+            <a:r>
+              <a:rPr lang="en-CA" dirty="0"/>
+              <a:t>5</a:t>
+            </a:r>
+          </a:p>
+        </p:txBody>
+      </p:sp>
+      <p:sp>
+        <p:nvSpPr>
+          <p:cNvPr id="17" name="TextBox 16">
+            <a:extLst>
+              <a:ext uri="{FF2B5EF4-FFF2-40B4-BE49-F238E27FC236}">
+                <a16:creationId xmlns:a16="http://schemas.microsoft.com/office/drawing/2014/main" id="{854C8766-8942-4C63-BA2A-8EBB6C3AB601}"/>
+              </a:ext>
+            </a:extLst>
+          </p:cNvPr>
+          <p:cNvSpPr txBox="1"/>
+          <p:nvPr/>
+        </p:nvSpPr>
+        <p:spPr>
+          <a:xfrm>
+            <a:off x="7879591" y="2070400"/>
+            <a:ext cx="248575" cy="369332"/>
+          </a:xfrm>
+          <a:prstGeom prst="rect">
+            <a:avLst/>
+          </a:prstGeom>
+          <a:noFill/>
+        </p:spPr>
+        <p:txBody>
+          <a:bodyPr wrap="square" rtlCol="0">
+            <a:spAutoFit/>
+          </a:bodyPr>
+          <a:lstStyle/>
+          <a:p>
+            <a:r>
+              <a:rPr lang="en-CA" dirty="0"/>
+              <a:t>6</a:t>
+            </a:r>
+          </a:p>
+        </p:txBody>
+      </p:sp>
+      <p:sp>
+        <p:nvSpPr>
+          <p:cNvPr id="18" name="TextBox 17">
+            <a:extLst>
+              <a:ext uri="{FF2B5EF4-FFF2-40B4-BE49-F238E27FC236}">
+                <a16:creationId xmlns:a16="http://schemas.microsoft.com/office/drawing/2014/main" id="{0325BC26-B5A6-4519-A836-E3150C0C90BE}"/>
+              </a:ext>
+            </a:extLst>
+          </p:cNvPr>
+          <p:cNvSpPr txBox="1"/>
+          <p:nvPr/>
+        </p:nvSpPr>
+        <p:spPr>
+          <a:xfrm>
+            <a:off x="8787987" y="2088768"/>
+            <a:ext cx="248575" cy="369332"/>
+          </a:xfrm>
+          <a:prstGeom prst="rect">
+            <a:avLst/>
+          </a:prstGeom>
+          <a:noFill/>
+        </p:spPr>
+        <p:txBody>
+          <a:bodyPr wrap="square" rtlCol="0">
+            <a:spAutoFit/>
+          </a:bodyPr>
+          <a:lstStyle/>
+          <a:p>
+            <a:r>
+              <a:rPr lang="en-CA" dirty="0"/>
+              <a:t>7</a:t>
+            </a:r>
+          </a:p>
+        </p:txBody>
+      </p:sp>
+      <p:sp>
+        <p:nvSpPr>
+          <p:cNvPr id="19" name="TextBox 18">
+            <a:extLst>
+              <a:ext uri="{FF2B5EF4-FFF2-40B4-BE49-F238E27FC236}">
+                <a16:creationId xmlns:a16="http://schemas.microsoft.com/office/drawing/2014/main" id="{E51B8507-370A-4553-8AF3-9F6675349177}"/>
+              </a:ext>
+            </a:extLst>
+          </p:cNvPr>
+          <p:cNvSpPr txBox="1"/>
+          <p:nvPr/>
+        </p:nvSpPr>
+        <p:spPr>
+          <a:xfrm>
+            <a:off x="9687849" y="2070400"/>
+            <a:ext cx="248575" cy="369332"/>
+          </a:xfrm>
+          <a:prstGeom prst="rect">
+            <a:avLst/>
+          </a:prstGeom>
+          <a:noFill/>
+        </p:spPr>
+        <p:txBody>
+          <a:bodyPr wrap="square" rtlCol="0">
+            <a:spAutoFit/>
+          </a:bodyPr>
+          <a:lstStyle/>
+          <a:p>
+            <a:r>
+              <a:rPr lang="en-CA" dirty="0"/>
+              <a:t>8</a:t>
+            </a:r>
+          </a:p>
+        </p:txBody>
+      </p:sp>
+      <p:cxnSp>
+        <p:nvCxnSpPr>
+          <p:cNvPr id="20" name="Straight Arrow Connector 19">
+            <a:extLst>
+              <a:ext uri="{FF2B5EF4-FFF2-40B4-BE49-F238E27FC236}">
+                <a16:creationId xmlns:a16="http://schemas.microsoft.com/office/drawing/2014/main" id="{5AB47DA2-7EFF-4B4D-9A32-3CC01701CCB6}"/>
+              </a:ext>
+            </a:extLst>
+          </p:cNvPr>
+          <p:cNvCxnSpPr/>
+          <p:nvPr/>
+        </p:nvCxnSpPr>
+        <p:spPr>
+          <a:xfrm>
+            <a:off x="992821" y="2088768"/>
+            <a:ext cx="0" cy="3600000"/>
+          </a:xfrm>
+          <a:prstGeom prst="straightConnector1">
+            <a:avLst/>
+          </a:prstGeom>
+          <a:ln>
+            <a:tailEnd type="triangle"/>
+          </a:ln>
+        </p:spPr>
+        <p:style>
+          <a:lnRef idx="1">
+            <a:schemeClr val="dk1"/>
+          </a:lnRef>
+          <a:fillRef idx="0">
+            <a:schemeClr val="dk1"/>
+          </a:fillRef>
+          <a:effectRef idx="0">
+            <a:schemeClr val="dk1"/>
+          </a:effectRef>
+          <a:fontRef idx="minor">
+            <a:schemeClr val="tx1"/>
+          </a:fontRef>
+        </p:style>
+      </p:cxnSp>
+      <p:cxnSp>
+        <p:nvCxnSpPr>
+          <p:cNvPr id="21" name="Straight Arrow Connector 20">
+            <a:extLst>
+              <a:ext uri="{FF2B5EF4-FFF2-40B4-BE49-F238E27FC236}">
+                <a16:creationId xmlns:a16="http://schemas.microsoft.com/office/drawing/2014/main" id="{87D375A3-6743-4EA7-A765-EE0C0E0E7EDB}"/>
+              </a:ext>
+            </a:extLst>
+          </p:cNvPr>
+          <p:cNvCxnSpPr/>
+          <p:nvPr/>
+        </p:nvCxnSpPr>
+        <p:spPr>
+          <a:xfrm>
+            <a:off x="2344910" y="2088768"/>
+            <a:ext cx="0" cy="1800000"/>
+          </a:xfrm>
+          <a:prstGeom prst="straightConnector1">
+            <a:avLst/>
+          </a:prstGeom>
+          <a:ln>
+            <a:tailEnd type="triangle"/>
+          </a:ln>
+        </p:spPr>
+        <p:style>
+          <a:lnRef idx="1">
+            <a:schemeClr val="dk1"/>
+          </a:lnRef>
+          <a:fillRef idx="0">
+            <a:schemeClr val="dk1"/>
+          </a:fillRef>
+          <a:effectRef idx="0">
+            <a:schemeClr val="dk1"/>
+          </a:effectRef>
+          <a:fontRef idx="minor">
+            <a:schemeClr val="tx1"/>
+          </a:fontRef>
+        </p:style>
+      </p:cxnSp>
+      <p:cxnSp>
+        <p:nvCxnSpPr>
+          <p:cNvPr id="22" name="Straight Arrow Connector 21">
+            <a:extLst>
+              <a:ext uri="{FF2B5EF4-FFF2-40B4-BE49-F238E27FC236}">
+                <a16:creationId xmlns:a16="http://schemas.microsoft.com/office/drawing/2014/main" id="{DF03B348-3037-4A31-BD99-33D84C5DA593}"/>
+              </a:ext>
+            </a:extLst>
+          </p:cNvPr>
+          <p:cNvCxnSpPr/>
+          <p:nvPr/>
+        </p:nvCxnSpPr>
+        <p:spPr>
+          <a:xfrm>
+            <a:off x="3574011" y="2088768"/>
+            <a:ext cx="0" cy="1620000"/>
+          </a:xfrm>
+          <a:prstGeom prst="straightConnector1">
+            <a:avLst/>
+          </a:prstGeom>
+          <a:ln>
+            <a:tailEnd type="triangle"/>
+          </a:ln>
+        </p:spPr>
+        <p:style>
+          <a:lnRef idx="1">
+            <a:schemeClr val="dk1"/>
+          </a:lnRef>
+          <a:fillRef idx="0">
+            <a:schemeClr val="dk1"/>
+          </a:fillRef>
+          <a:effectRef idx="0">
+            <a:schemeClr val="dk1"/>
+          </a:effectRef>
+          <a:fontRef idx="minor">
+            <a:schemeClr val="tx1"/>
+          </a:fontRef>
+        </p:style>
+      </p:cxnSp>
+      <p:cxnSp>
+        <p:nvCxnSpPr>
+          <p:cNvPr id="23" name="Straight Arrow Connector 22">
+            <a:extLst>
+              <a:ext uri="{FF2B5EF4-FFF2-40B4-BE49-F238E27FC236}">
+                <a16:creationId xmlns:a16="http://schemas.microsoft.com/office/drawing/2014/main" id="{2BA6000F-605F-41C4-A19C-5D4E157A8C22}"/>
+              </a:ext>
+            </a:extLst>
+          </p:cNvPr>
+          <p:cNvCxnSpPr/>
+          <p:nvPr/>
+        </p:nvCxnSpPr>
+        <p:spPr>
+          <a:xfrm>
+            <a:off x="4811991" y="2070400"/>
+            <a:ext cx="0" cy="1512000"/>
+          </a:xfrm>
+          <a:prstGeom prst="straightConnector1">
+            <a:avLst/>
+          </a:prstGeom>
+          <a:ln>
+            <a:tailEnd type="triangle"/>
+          </a:ln>
+        </p:spPr>
+        <p:style>
+          <a:lnRef idx="1">
+            <a:schemeClr val="dk1"/>
+          </a:lnRef>
+          <a:fillRef idx="0">
+            <a:schemeClr val="dk1"/>
+          </a:fillRef>
+          <a:effectRef idx="0">
+            <a:schemeClr val="dk1"/>
+          </a:effectRef>
+          <a:fontRef idx="minor">
+            <a:schemeClr val="tx1"/>
+          </a:fontRef>
+        </p:style>
+      </p:cxnSp>
+      <p:cxnSp>
+        <p:nvCxnSpPr>
+          <p:cNvPr id="24" name="Straight Arrow Connector 23">
+            <a:extLst>
+              <a:ext uri="{FF2B5EF4-FFF2-40B4-BE49-F238E27FC236}">
+                <a16:creationId xmlns:a16="http://schemas.microsoft.com/office/drawing/2014/main" id="{24CD8C2A-AA27-4DDA-9DBE-D41EB862F8E0}"/>
+              </a:ext>
+            </a:extLst>
+          </p:cNvPr>
+          <p:cNvCxnSpPr/>
+          <p:nvPr/>
+        </p:nvCxnSpPr>
+        <p:spPr>
+          <a:xfrm>
+            <a:off x="6049971" y="2088768"/>
+            <a:ext cx="0" cy="1296000"/>
+          </a:xfrm>
+          <a:prstGeom prst="straightConnector1">
+            <a:avLst/>
+          </a:prstGeom>
+          <a:ln>
+            <a:tailEnd type="triangle"/>
+          </a:ln>
+        </p:spPr>
+        <p:style>
+          <a:lnRef idx="1">
+            <a:schemeClr val="dk1"/>
+          </a:lnRef>
+          <a:fillRef idx="0">
+            <a:schemeClr val="dk1"/>
+          </a:fillRef>
+          <a:effectRef idx="0">
+            <a:schemeClr val="dk1"/>
+          </a:effectRef>
+          <a:fontRef idx="minor">
+            <a:schemeClr val="tx1"/>
+          </a:fontRef>
+        </p:style>
+      </p:cxnSp>
+      <p:cxnSp>
+        <p:nvCxnSpPr>
+          <p:cNvPr id="25" name="Straight Arrow Connector 24">
+            <a:extLst>
+              <a:ext uri="{FF2B5EF4-FFF2-40B4-BE49-F238E27FC236}">
+                <a16:creationId xmlns:a16="http://schemas.microsoft.com/office/drawing/2014/main" id="{D1192E72-4774-4919-B396-F7FFFABAE2CC}"/>
+              </a:ext>
+            </a:extLst>
+          </p:cNvPr>
+          <p:cNvCxnSpPr/>
+          <p:nvPr/>
+        </p:nvCxnSpPr>
+        <p:spPr>
+          <a:xfrm>
+            <a:off x="7041192" y="2088768"/>
+            <a:ext cx="0" cy="1188000"/>
+          </a:xfrm>
+          <a:prstGeom prst="straightConnector1">
+            <a:avLst/>
+          </a:prstGeom>
+          <a:ln>
+            <a:tailEnd type="triangle"/>
+          </a:ln>
+        </p:spPr>
+        <p:style>
+          <a:lnRef idx="1">
+            <a:schemeClr val="dk1"/>
+          </a:lnRef>
+          <a:fillRef idx="0">
+            <a:schemeClr val="dk1"/>
+          </a:fillRef>
+          <a:effectRef idx="0">
+            <a:schemeClr val="dk1"/>
+          </a:effectRef>
+          <a:fontRef idx="minor">
+            <a:schemeClr val="tx1"/>
+          </a:fontRef>
+        </p:style>
+      </p:cxnSp>
+      <p:cxnSp>
+        <p:nvCxnSpPr>
+          <p:cNvPr id="26" name="Straight Arrow Connector 25">
+            <a:extLst>
+              <a:ext uri="{FF2B5EF4-FFF2-40B4-BE49-F238E27FC236}">
+                <a16:creationId xmlns:a16="http://schemas.microsoft.com/office/drawing/2014/main" id="{F5D5E5ED-F591-44A1-93D4-CFADF77ADDE4}"/>
+              </a:ext>
+            </a:extLst>
+          </p:cNvPr>
+          <p:cNvCxnSpPr/>
+          <p:nvPr/>
+        </p:nvCxnSpPr>
+        <p:spPr>
+          <a:xfrm>
+            <a:off x="7879591" y="2088768"/>
+            <a:ext cx="0" cy="1080000"/>
+          </a:xfrm>
+          <a:prstGeom prst="straightConnector1">
+            <a:avLst/>
+          </a:prstGeom>
+          <a:ln>
+            <a:tailEnd type="triangle"/>
+          </a:ln>
+        </p:spPr>
+        <p:style>
+          <a:lnRef idx="1">
+            <a:schemeClr val="dk1"/>
+          </a:lnRef>
+          <a:fillRef idx="0">
+            <a:schemeClr val="dk1"/>
+          </a:fillRef>
+          <a:effectRef idx="0">
+            <a:schemeClr val="dk1"/>
+          </a:effectRef>
+          <a:fontRef idx="minor">
+            <a:schemeClr val="tx1"/>
+          </a:fontRef>
+        </p:style>
+      </p:cxnSp>
+      <p:cxnSp>
+        <p:nvCxnSpPr>
+          <p:cNvPr id="27" name="Straight Arrow Connector 26">
+            <a:extLst>
+              <a:ext uri="{FF2B5EF4-FFF2-40B4-BE49-F238E27FC236}">
+                <a16:creationId xmlns:a16="http://schemas.microsoft.com/office/drawing/2014/main" id="{C0193CD0-D3E1-438C-B6C4-E20B501A5EC0}"/>
+              </a:ext>
+            </a:extLst>
+          </p:cNvPr>
+          <p:cNvCxnSpPr/>
+          <p:nvPr/>
+        </p:nvCxnSpPr>
+        <p:spPr>
+          <a:xfrm>
+            <a:off x="8787987" y="2088768"/>
+            <a:ext cx="0" cy="936000"/>
+          </a:xfrm>
+          <a:prstGeom prst="straightConnector1">
+            <a:avLst/>
+          </a:prstGeom>
+          <a:ln>
+            <a:tailEnd type="triangle"/>
+          </a:ln>
+        </p:spPr>
+        <p:style>
+          <a:lnRef idx="1">
+            <a:schemeClr val="dk1"/>
+          </a:lnRef>
+          <a:fillRef idx="0">
+            <a:schemeClr val="dk1"/>
+          </a:fillRef>
+          <a:effectRef idx="0">
+            <a:schemeClr val="dk1"/>
+          </a:effectRef>
+          <a:fontRef idx="minor">
+            <a:schemeClr val="tx1"/>
+          </a:fontRef>
+        </p:style>
+      </p:cxnSp>
+      <p:cxnSp>
+        <p:nvCxnSpPr>
+          <p:cNvPr id="28" name="Straight Arrow Connector 27">
+            <a:extLst>
+              <a:ext uri="{FF2B5EF4-FFF2-40B4-BE49-F238E27FC236}">
+                <a16:creationId xmlns:a16="http://schemas.microsoft.com/office/drawing/2014/main" id="{92A2A274-133F-4D49-BFDE-CFBD521CA104}"/>
+              </a:ext>
+            </a:extLst>
+          </p:cNvPr>
+          <p:cNvCxnSpPr/>
+          <p:nvPr/>
+        </p:nvCxnSpPr>
+        <p:spPr>
+          <a:xfrm>
+            <a:off x="9687849" y="2070400"/>
+            <a:ext cx="0" cy="828000"/>
+          </a:xfrm>
+          <a:prstGeom prst="straightConnector1">
+            <a:avLst/>
+          </a:prstGeom>
+          <a:ln>
+            <a:tailEnd type="triangle"/>
+          </a:ln>
+        </p:spPr>
+        <p:style>
+          <a:lnRef idx="1">
+            <a:schemeClr val="dk1"/>
+          </a:lnRef>
+          <a:fillRef idx="0">
+            <a:schemeClr val="dk1"/>
+          </a:fillRef>
+          <a:effectRef idx="0">
+            <a:schemeClr val="dk1"/>
+          </a:effectRef>
+          <a:fontRef idx="minor">
+            <a:schemeClr val="tx1"/>
+          </a:fontRef>
+        </p:style>
+      </p:cxnSp>
+      <p:cxnSp>
+        <p:nvCxnSpPr>
+          <p:cNvPr id="29" name="Straight Arrow Connector 28">
+            <a:extLst>
+              <a:ext uri="{FF2B5EF4-FFF2-40B4-BE49-F238E27FC236}">
+                <a16:creationId xmlns:a16="http://schemas.microsoft.com/office/drawing/2014/main" id="{5086811A-F143-480C-985E-7896784B602F}"/>
+              </a:ext>
+            </a:extLst>
+          </p:cNvPr>
+          <p:cNvCxnSpPr/>
+          <p:nvPr/>
+        </p:nvCxnSpPr>
+        <p:spPr>
+          <a:xfrm>
+            <a:off x="10525682" y="2088768"/>
+            <a:ext cx="0" cy="720000"/>
+          </a:xfrm>
+          <a:prstGeom prst="straightConnector1">
+            <a:avLst/>
+          </a:prstGeom>
+          <a:ln>
+            <a:tailEnd type="triangle"/>
+          </a:ln>
+        </p:spPr>
+        <p:style>
+          <a:lnRef idx="1">
+            <a:schemeClr val="dk1"/>
+          </a:lnRef>
+          <a:fillRef idx="0">
+            <a:schemeClr val="dk1"/>
+          </a:fillRef>
+          <a:effectRef idx="0">
+            <a:schemeClr val="dk1"/>
+          </a:effectRef>
+          <a:fontRef idx="minor">
+            <a:schemeClr val="tx1"/>
+          </a:fontRef>
+        </p:style>
+      </p:cxnSp>
+      <p:cxnSp>
+        <p:nvCxnSpPr>
+          <p:cNvPr id="30" name="Straight Arrow Connector 29">
+            <a:extLst>
+              <a:ext uri="{FF2B5EF4-FFF2-40B4-BE49-F238E27FC236}">
+                <a16:creationId xmlns:a16="http://schemas.microsoft.com/office/drawing/2014/main" id="{C1243DD5-5B54-40DC-BBFB-872CC4104A02}"/>
+              </a:ext>
+            </a:extLst>
+          </p:cNvPr>
+          <p:cNvCxnSpPr>
+            <a:cxnSpLocks/>
+          </p:cNvCxnSpPr>
+          <p:nvPr/>
+        </p:nvCxnSpPr>
+        <p:spPr>
+          <a:xfrm flipV="1">
+            <a:off x="10525682" y="1350400"/>
+            <a:ext cx="0" cy="720000"/>
+          </a:xfrm>
+          <a:prstGeom prst="straightConnector1">
+            <a:avLst/>
+          </a:prstGeom>
+          <a:ln>
+            <a:tailEnd type="triangle"/>
+          </a:ln>
+        </p:spPr>
+        <p:style>
+          <a:lnRef idx="1">
+            <a:schemeClr val="dk1"/>
+          </a:lnRef>
+          <a:fillRef idx="0">
+            <a:schemeClr val="dk1"/>
+          </a:fillRef>
+          <a:effectRef idx="0">
+            <a:schemeClr val="dk1"/>
+          </a:effectRef>
+          <a:fontRef idx="minor">
+            <a:schemeClr val="tx1"/>
+          </a:fontRef>
+        </p:style>
+      </p:cxnSp>
+      <p:cxnSp>
+        <p:nvCxnSpPr>
+          <p:cNvPr id="32" name="Straight Connector 31">
+            <a:extLst>
+              <a:ext uri="{FF2B5EF4-FFF2-40B4-BE49-F238E27FC236}">
+                <a16:creationId xmlns:a16="http://schemas.microsoft.com/office/drawing/2014/main" id="{5143E3EF-AAC5-4945-B40E-EA316F41FDDD}"/>
+              </a:ext>
+            </a:extLst>
+          </p:cNvPr>
+          <p:cNvCxnSpPr/>
+          <p:nvPr/>
+        </p:nvCxnSpPr>
+        <p:spPr>
+          <a:xfrm flipV="1">
+            <a:off x="2344910" y="2808768"/>
+            <a:ext cx="8180772" cy="1080000"/>
+          </a:xfrm>
+          <a:prstGeom prst="line">
+            <a:avLst/>
+          </a:prstGeom>
+        </p:spPr>
+        <p:style>
+          <a:lnRef idx="1">
+            <a:schemeClr val="dk1"/>
+          </a:lnRef>
+          <a:fillRef idx="0">
+            <a:schemeClr val="dk1"/>
+          </a:fillRef>
+          <a:effectRef idx="0">
+            <a:schemeClr val="dk1"/>
+          </a:effectRef>
+          <a:fontRef idx="minor">
+            <a:schemeClr val="tx1"/>
+          </a:fontRef>
+        </p:style>
+      </p:cxnSp>
+      <p:sp>
+        <p:nvSpPr>
+          <p:cNvPr id="33" name="TextBox 32">
+            <a:extLst>
+              <a:ext uri="{FF2B5EF4-FFF2-40B4-BE49-F238E27FC236}">
+                <a16:creationId xmlns:a16="http://schemas.microsoft.com/office/drawing/2014/main" id="{52BA95C7-2728-4BD5-940F-917C0E06DA9C}"/>
+              </a:ext>
+            </a:extLst>
+          </p:cNvPr>
+          <p:cNvSpPr txBox="1"/>
+          <p:nvPr/>
+        </p:nvSpPr>
+        <p:spPr>
+          <a:xfrm>
+            <a:off x="826366" y="5775917"/>
+            <a:ext cx="1031283" cy="369332"/>
+          </a:xfrm>
+          <a:prstGeom prst="rect">
+            <a:avLst/>
+          </a:prstGeom>
+          <a:noFill/>
+        </p:spPr>
+        <p:txBody>
+          <a:bodyPr wrap="square" rtlCol="0">
+            <a:spAutoFit/>
+          </a:bodyPr>
+          <a:lstStyle/>
+          <a:p>
+            <a:r>
+              <a:rPr lang="en-CA" dirty="0"/>
+              <a:t>$15,000</a:t>
+            </a:r>
+          </a:p>
+        </p:txBody>
+      </p:sp>
+      <p:sp>
+        <p:nvSpPr>
+          <p:cNvPr id="34" name="TextBox 33">
+            <a:extLst>
+              <a:ext uri="{FF2B5EF4-FFF2-40B4-BE49-F238E27FC236}">
+                <a16:creationId xmlns:a16="http://schemas.microsoft.com/office/drawing/2014/main" id="{EBD59738-290D-4876-AFB6-A5A55ADF43CC}"/>
+              </a:ext>
+            </a:extLst>
+          </p:cNvPr>
+          <p:cNvSpPr txBox="1"/>
+          <p:nvPr/>
+        </p:nvSpPr>
+        <p:spPr>
+          <a:xfrm>
+            <a:off x="1919016" y="3910149"/>
+            <a:ext cx="851788" cy="369332"/>
+          </a:xfrm>
+          <a:prstGeom prst="rect">
+            <a:avLst/>
+          </a:prstGeom>
+          <a:noFill/>
+        </p:spPr>
+        <p:txBody>
+          <a:bodyPr wrap="square" rtlCol="0">
+            <a:spAutoFit/>
+          </a:bodyPr>
+          <a:lstStyle/>
+          <a:p>
+            <a:r>
+              <a:rPr lang="en-CA" dirty="0"/>
+              <a:t>$1,400</a:t>
+            </a:r>
+          </a:p>
+        </p:txBody>
+      </p:sp>
+      <p:sp>
+        <p:nvSpPr>
+          <p:cNvPr id="35" name="TextBox 34">
+            <a:extLst>
+              <a:ext uri="{FF2B5EF4-FFF2-40B4-BE49-F238E27FC236}">
+                <a16:creationId xmlns:a16="http://schemas.microsoft.com/office/drawing/2014/main" id="{0FE9CDA3-3670-42EE-AFD1-A387627BE3D6}"/>
+              </a:ext>
+            </a:extLst>
+          </p:cNvPr>
+          <p:cNvSpPr txBox="1"/>
+          <p:nvPr/>
+        </p:nvSpPr>
+        <p:spPr>
+          <a:xfrm>
+            <a:off x="3148117" y="3725483"/>
+            <a:ext cx="851788" cy="369332"/>
+          </a:xfrm>
+          <a:prstGeom prst="rect">
+            <a:avLst/>
+          </a:prstGeom>
+          <a:noFill/>
+        </p:spPr>
+        <p:txBody>
+          <a:bodyPr wrap="square" rtlCol="0">
+            <a:spAutoFit/>
+          </a:bodyPr>
+          <a:lstStyle/>
+          <a:p>
+            <a:r>
+              <a:rPr lang="en-CA" dirty="0"/>
+              <a:t>$1,260</a:t>
+            </a:r>
+          </a:p>
+        </p:txBody>
+      </p:sp>
+      <p:sp>
+        <p:nvSpPr>
+          <p:cNvPr id="36" name="TextBox 35">
+            <a:extLst>
+              <a:ext uri="{FF2B5EF4-FFF2-40B4-BE49-F238E27FC236}">
+                <a16:creationId xmlns:a16="http://schemas.microsoft.com/office/drawing/2014/main" id="{67D5FF9E-D19F-409F-B9D0-2B61999C7EC8}"/>
+              </a:ext>
+            </a:extLst>
+          </p:cNvPr>
+          <p:cNvSpPr txBox="1"/>
+          <p:nvPr/>
+        </p:nvSpPr>
+        <p:spPr>
+          <a:xfrm>
+            <a:off x="10150994" y="981067"/>
+            <a:ext cx="672986" cy="369332"/>
+          </a:xfrm>
+          <a:prstGeom prst="rect">
+            <a:avLst/>
+          </a:prstGeom>
+          <a:noFill/>
+        </p:spPr>
+        <p:txBody>
+          <a:bodyPr wrap="square" rtlCol="0">
+            <a:spAutoFit/>
+          </a:bodyPr>
+          <a:lstStyle/>
+          <a:p>
+            <a:r>
+              <a:rPr lang="en-CA" dirty="0"/>
+              <a:t>$750</a:t>
+            </a:r>
+          </a:p>
+        </p:txBody>
+      </p:sp>
+    </p:spTree>
+    <p:extLst>
+      <p:ext uri="{BB962C8B-B14F-4D97-AF65-F5344CB8AC3E}">
+        <p14:creationId xmlns:p14="http://schemas.microsoft.com/office/powerpoint/2010/main" val="2807313208"/>
       </p:ext>
     </p:extLst>
   </p:cSld>

--- a/assignment_2/assignment_2.pptx
+++ b/assignment_2/assignment_2.pptx
@@ -247,7 +247,7 @@
           <a:p>
             <a:fld id="{73FF4D9B-E525-40F9-83F5-B112C8D58F38}" type="datetimeFigureOut">
               <a:rPr lang="en-CA" smtClean="0"/>
-              <a:t>2020-01-30</a:t>
+              <a:t>2020-01-31</a:t>
             </a:fld>
             <a:endParaRPr lang="en-CA"/>
           </a:p>
@@ -417,7 +417,7 @@
           <a:p>
             <a:fld id="{73FF4D9B-E525-40F9-83F5-B112C8D58F38}" type="datetimeFigureOut">
               <a:rPr lang="en-CA" smtClean="0"/>
-              <a:t>2020-01-30</a:t>
+              <a:t>2020-01-31</a:t>
             </a:fld>
             <a:endParaRPr lang="en-CA"/>
           </a:p>
@@ -597,7 +597,7 @@
           <a:p>
             <a:fld id="{73FF4D9B-E525-40F9-83F5-B112C8D58F38}" type="datetimeFigureOut">
               <a:rPr lang="en-CA" smtClean="0"/>
-              <a:t>2020-01-30</a:t>
+              <a:t>2020-01-31</a:t>
             </a:fld>
             <a:endParaRPr lang="en-CA"/>
           </a:p>
@@ -767,7 +767,7 @@
           <a:p>
             <a:fld id="{73FF4D9B-E525-40F9-83F5-B112C8D58F38}" type="datetimeFigureOut">
               <a:rPr lang="en-CA" smtClean="0"/>
-              <a:t>2020-01-30</a:t>
+              <a:t>2020-01-31</a:t>
             </a:fld>
             <a:endParaRPr lang="en-CA"/>
           </a:p>
@@ -1013,7 +1013,7 @@
           <a:p>
             <a:fld id="{73FF4D9B-E525-40F9-83F5-B112C8D58F38}" type="datetimeFigureOut">
               <a:rPr lang="en-CA" smtClean="0"/>
-              <a:t>2020-01-30</a:t>
+              <a:t>2020-01-31</a:t>
             </a:fld>
             <a:endParaRPr lang="en-CA"/>
           </a:p>
@@ -1245,7 +1245,7 @@
           <a:p>
             <a:fld id="{73FF4D9B-E525-40F9-83F5-B112C8D58F38}" type="datetimeFigureOut">
               <a:rPr lang="en-CA" smtClean="0"/>
-              <a:t>2020-01-30</a:t>
+              <a:t>2020-01-31</a:t>
             </a:fld>
             <a:endParaRPr lang="en-CA"/>
           </a:p>
@@ -1612,7 +1612,7 @@
           <a:p>
             <a:fld id="{73FF4D9B-E525-40F9-83F5-B112C8D58F38}" type="datetimeFigureOut">
               <a:rPr lang="en-CA" smtClean="0"/>
-              <a:t>2020-01-30</a:t>
+              <a:t>2020-01-31</a:t>
             </a:fld>
             <a:endParaRPr lang="en-CA"/>
           </a:p>
@@ -1730,7 +1730,7 @@
           <a:p>
             <a:fld id="{73FF4D9B-E525-40F9-83F5-B112C8D58F38}" type="datetimeFigureOut">
               <a:rPr lang="en-CA" smtClean="0"/>
-              <a:t>2020-01-30</a:t>
+              <a:t>2020-01-31</a:t>
             </a:fld>
             <a:endParaRPr lang="en-CA"/>
           </a:p>
@@ -1825,7 +1825,7 @@
           <a:p>
             <a:fld id="{73FF4D9B-E525-40F9-83F5-B112C8D58F38}" type="datetimeFigureOut">
               <a:rPr lang="en-CA" smtClean="0"/>
-              <a:t>2020-01-30</a:t>
+              <a:t>2020-01-31</a:t>
             </a:fld>
             <a:endParaRPr lang="en-CA"/>
           </a:p>
@@ -2102,7 +2102,7 @@
           <a:p>
             <a:fld id="{73FF4D9B-E525-40F9-83F5-B112C8D58F38}" type="datetimeFigureOut">
               <a:rPr lang="en-CA" smtClean="0"/>
-              <a:t>2020-01-30</a:t>
+              <a:t>2020-01-31</a:t>
             </a:fld>
             <a:endParaRPr lang="en-CA"/>
           </a:p>
@@ -2355,7 +2355,7 @@
           <a:p>
             <a:fld id="{73FF4D9B-E525-40F9-83F5-B112C8D58F38}" type="datetimeFigureOut">
               <a:rPr lang="en-CA" smtClean="0"/>
-              <a:t>2020-01-30</a:t>
+              <a:t>2020-01-31</a:t>
             </a:fld>
             <a:endParaRPr lang="en-CA"/>
           </a:p>
@@ -2568,7 +2568,7 @@
           <a:p>
             <a:fld id="{73FF4D9B-E525-40F9-83F5-B112C8D58F38}" type="datetimeFigureOut">
               <a:rPr lang="en-CA" smtClean="0"/>
-              <a:t>2020-01-30</a:t>
+              <a:t>2020-01-31</a:t>
             </a:fld>
             <a:endParaRPr lang="en-CA"/>
           </a:p>
@@ -4182,7 +4182,7 @@
         <p:spPr>
           <a:xfrm>
             <a:off x="9969377" y="1065738"/>
-            <a:ext cx="261610" cy="369332"/>
+            <a:ext cx="948914" cy="369332"/>
           </a:xfrm>
           <a:prstGeom prst="rect">
             <a:avLst/>
@@ -4197,7 +4197,7 @@
           <a:p>
             <a:r>
               <a:rPr lang="en-CA" dirty="0"/>
-              <a:t>t</a:t>
+              <a:t>t (years)</a:t>
             </a:r>
           </a:p>
         </p:txBody>
@@ -4416,7 +4416,7 @@
         <p:spPr>
           <a:xfrm>
             <a:off x="6676184" y="3697140"/>
-            <a:ext cx="261610" cy="369332"/>
+            <a:ext cx="948914" cy="369332"/>
           </a:xfrm>
           <a:prstGeom prst="rect">
             <a:avLst/>
@@ -4431,7 +4431,7 @@
           <a:p>
             <a:r>
               <a:rPr lang="en-CA" dirty="0"/>
-              <a:t>t</a:t>
+              <a:t>t (years)</a:t>
             </a:r>
           </a:p>
         </p:txBody>
@@ -4896,6 +4896,111 @@
           </a:fontRef>
         </p:style>
       </p:cxnSp>
+      <p:sp>
+        <p:nvSpPr>
+          <p:cNvPr id="59" name="TextBox 58">
+            <a:extLst>
+              <a:ext uri="{FF2B5EF4-FFF2-40B4-BE49-F238E27FC236}">
+                <a16:creationId xmlns:a16="http://schemas.microsoft.com/office/drawing/2014/main" id="{C316DBCA-9B37-463B-8681-7F38E68B1FAB}"/>
+              </a:ext>
+            </a:extLst>
+          </p:cNvPr>
+          <p:cNvSpPr txBox="1"/>
+          <p:nvPr/>
+        </p:nvSpPr>
+        <p:spPr>
+          <a:xfrm>
+            <a:off x="4267118" y="773220"/>
+            <a:ext cx="1186030" cy="369332"/>
+          </a:xfrm>
+          <a:prstGeom prst="rect">
+            <a:avLst/>
+          </a:prstGeom>
+          <a:noFill/>
+        </p:spPr>
+        <p:txBody>
+          <a:bodyPr wrap="none" rtlCol="0">
+            <a:spAutoFit/>
+          </a:bodyPr>
+          <a:lstStyle/>
+          <a:p>
+            <a:r>
+              <a:rPr lang="en-CA" dirty="0"/>
+              <a:t>36 months</a:t>
+            </a:r>
+          </a:p>
+        </p:txBody>
+      </p:sp>
+      <p:sp>
+        <p:nvSpPr>
+          <p:cNvPr id="60" name="TextBox 59">
+            <a:extLst>
+              <a:ext uri="{FF2B5EF4-FFF2-40B4-BE49-F238E27FC236}">
+                <a16:creationId xmlns:a16="http://schemas.microsoft.com/office/drawing/2014/main" id="{F796D1B7-6972-4BD2-A2BC-733AE0D58C7A}"/>
+              </a:ext>
+            </a:extLst>
+          </p:cNvPr>
+          <p:cNvSpPr txBox="1"/>
+          <p:nvPr/>
+        </p:nvSpPr>
+        <p:spPr>
+          <a:xfrm>
+            <a:off x="9596259" y="767093"/>
+            <a:ext cx="1186030" cy="369332"/>
+          </a:xfrm>
+          <a:prstGeom prst="rect">
+            <a:avLst/>
+          </a:prstGeom>
+          <a:noFill/>
+        </p:spPr>
+        <p:txBody>
+          <a:bodyPr wrap="none" rtlCol="0">
+            <a:spAutoFit/>
+          </a:bodyPr>
+          <a:lstStyle/>
+          <a:p>
+            <a:r>
+              <a:rPr lang="en-CA" dirty="0"/>
+              <a:t>96 months</a:t>
+            </a:r>
+          </a:p>
+        </p:txBody>
+      </p:sp>
+      <p:sp>
+        <p:nvSpPr>
+          <p:cNvPr id="61" name="TextBox 60">
+            <a:extLst>
+              <a:ext uri="{FF2B5EF4-FFF2-40B4-BE49-F238E27FC236}">
+                <a16:creationId xmlns:a16="http://schemas.microsoft.com/office/drawing/2014/main" id="{A675A53F-7E52-4B1D-88F4-71C654B4CC5B}"/>
+              </a:ext>
+            </a:extLst>
+          </p:cNvPr>
+          <p:cNvSpPr txBox="1"/>
+          <p:nvPr/>
+        </p:nvSpPr>
+        <p:spPr>
+          <a:xfrm>
+            <a:off x="6379861" y="3424793"/>
+            <a:ext cx="1186030" cy="369332"/>
+          </a:xfrm>
+          <a:prstGeom prst="rect">
+            <a:avLst/>
+          </a:prstGeom>
+          <a:noFill/>
+        </p:spPr>
+        <p:txBody>
+          <a:bodyPr wrap="none" rtlCol="0">
+            <a:spAutoFit/>
+          </a:bodyPr>
+          <a:lstStyle/>
+          <a:p>
+            <a:r>
+              <a:rPr lang="en-CA" dirty="0"/>
+              <a:t>60 months</a:t>
+            </a:r>
+          </a:p>
+        </p:txBody>
+      </p:sp>
     </p:spTree>
     <p:extLst>
       <p:ext uri="{BB962C8B-B14F-4D97-AF65-F5344CB8AC3E}">
